--- a/FFPM/FFPM 70.pptx
+++ b/FFPM/FFPM 70.pptx
@@ -5,20 +5,19 @@
     <p:sldMasterId id="2147483684" r:id="rId1"/>
   </p:sldMasterIdLst>
   <p:sldIdLst>
-    <p:sldId id="274" r:id="rId2"/>
-    <p:sldId id="261" r:id="rId3"/>
-    <p:sldId id="262" r:id="rId4"/>
-    <p:sldId id="266" r:id="rId5"/>
-    <p:sldId id="267" r:id="rId6"/>
-    <p:sldId id="263" r:id="rId7"/>
-    <p:sldId id="268" r:id="rId8"/>
-    <p:sldId id="269" r:id="rId9"/>
-    <p:sldId id="264" r:id="rId10"/>
-    <p:sldId id="270" r:id="rId11"/>
-    <p:sldId id="271" r:id="rId12"/>
-    <p:sldId id="265" r:id="rId13"/>
-    <p:sldId id="273" r:id="rId14"/>
-    <p:sldId id="272" r:id="rId15"/>
+    <p:sldId id="261" r:id="rId2"/>
+    <p:sldId id="262" r:id="rId3"/>
+    <p:sldId id="266" r:id="rId4"/>
+    <p:sldId id="267" r:id="rId5"/>
+    <p:sldId id="263" r:id="rId6"/>
+    <p:sldId id="268" r:id="rId7"/>
+    <p:sldId id="269" r:id="rId8"/>
+    <p:sldId id="264" r:id="rId9"/>
+    <p:sldId id="270" r:id="rId10"/>
+    <p:sldId id="271" r:id="rId11"/>
+    <p:sldId id="265" r:id="rId12"/>
+    <p:sldId id="273" r:id="rId13"/>
+    <p:sldId id="272" r:id="rId14"/>
   </p:sldIdLst>
   <p:sldSz cx="9144000" cy="5143500" type="screen16x9"/>
   <p:notesSz cx="6858000" cy="9144000"/>
@@ -118,6 +117,22 @@
       </a:defRPr>
     </a:lvl9pPr>
   </p:defaultTextStyle>
+  <p:extLst>
+    <p:ext uri="{EFAFB233-063F-42B5-8137-9DF3F51BA10A}">
+      <p15:sldGuideLst xmlns:p15="http://schemas.microsoft.com/office/powerpoint/2012/main">
+        <p15:guide id="1" orient="horz" pos="1620">
+          <p15:clr>
+            <a:srgbClr val="A4A3A4"/>
+          </p15:clr>
+        </p15:guide>
+        <p15:guide id="2" pos="2880">
+          <p15:clr>
+            <a:srgbClr val="A4A3A4"/>
+          </p15:clr>
+        </p15:guide>
+      </p15:sldGuideLst>
+    </p:ext>
+  </p:extLst>
 </p:presentation>
 </file>
 
@@ -303,7 +318,7 @@
             <a:fld id="{E1E9137A-D7C1-4F8C-A62B-C89ADD9F06F3}" type="datetimeFigureOut">
               <a:rPr lang="fr-FR" smtClean="0"/>
               <a:pPr/>
-              <a:t>26/12/2014</a:t>
+              <a:t>25/12/2025</a:t>
             </a:fld>
             <a:endParaRPr lang="fr-FR"/>
           </a:p>
@@ -475,7 +490,7 @@
             <a:fld id="{E1E9137A-D7C1-4F8C-A62B-C89ADD9F06F3}" type="datetimeFigureOut">
               <a:rPr lang="fr-FR" smtClean="0"/>
               <a:pPr/>
-              <a:t>26/12/2014</a:t>
+              <a:t>25/12/2025</a:t>
             </a:fld>
             <a:endParaRPr lang="fr-FR"/>
           </a:p>
@@ -657,7 +672,7 @@
             <a:fld id="{E1E9137A-D7C1-4F8C-A62B-C89ADD9F06F3}" type="datetimeFigureOut">
               <a:rPr lang="fr-FR" smtClean="0"/>
               <a:pPr/>
-              <a:t>26/12/2014</a:t>
+              <a:t>25/12/2025</a:t>
             </a:fld>
             <a:endParaRPr lang="fr-FR"/>
           </a:p>
@@ -829,7 +844,7 @@
             <a:fld id="{E1E9137A-D7C1-4F8C-A62B-C89ADD9F06F3}" type="datetimeFigureOut">
               <a:rPr lang="fr-FR" smtClean="0"/>
               <a:pPr/>
-              <a:t>26/12/2014</a:t>
+              <a:t>25/12/2025</a:t>
             </a:fld>
             <a:endParaRPr lang="fr-FR"/>
           </a:p>
@@ -1077,7 +1092,7 @@
             <a:fld id="{E1E9137A-D7C1-4F8C-A62B-C89ADD9F06F3}" type="datetimeFigureOut">
               <a:rPr lang="fr-FR" smtClean="0"/>
               <a:pPr/>
-              <a:t>26/12/2014</a:t>
+              <a:t>25/12/2025</a:t>
             </a:fld>
             <a:endParaRPr lang="fr-FR"/>
           </a:p>
@@ -1367,7 +1382,7 @@
             <a:fld id="{E1E9137A-D7C1-4F8C-A62B-C89ADD9F06F3}" type="datetimeFigureOut">
               <a:rPr lang="fr-FR" smtClean="0"/>
               <a:pPr/>
-              <a:t>26/12/2014</a:t>
+              <a:t>25/12/2025</a:t>
             </a:fld>
             <a:endParaRPr lang="fr-FR"/>
           </a:p>
@@ -1791,7 +1806,7 @@
             <a:fld id="{E1E9137A-D7C1-4F8C-A62B-C89ADD9F06F3}" type="datetimeFigureOut">
               <a:rPr lang="fr-FR" smtClean="0"/>
               <a:pPr/>
-              <a:t>26/12/2014</a:t>
+              <a:t>25/12/2025</a:t>
             </a:fld>
             <a:endParaRPr lang="fr-FR"/>
           </a:p>
@@ -1911,7 +1926,7 @@
             <a:fld id="{E1E9137A-D7C1-4F8C-A62B-C89ADD9F06F3}" type="datetimeFigureOut">
               <a:rPr lang="fr-FR" smtClean="0"/>
               <a:pPr/>
-              <a:t>26/12/2014</a:t>
+              <a:t>25/12/2025</a:t>
             </a:fld>
             <a:endParaRPr lang="fr-FR"/>
           </a:p>
@@ -2008,7 +2023,7 @@
             <a:fld id="{E1E9137A-D7C1-4F8C-A62B-C89ADD9F06F3}" type="datetimeFigureOut">
               <a:rPr lang="fr-FR" smtClean="0"/>
               <a:pPr/>
-              <a:t>26/12/2014</a:t>
+              <a:t>25/12/2025</a:t>
             </a:fld>
             <a:endParaRPr lang="fr-FR"/>
           </a:p>
@@ -2287,7 +2302,7 @@
             <a:fld id="{E1E9137A-D7C1-4F8C-A62B-C89ADD9F06F3}" type="datetimeFigureOut">
               <a:rPr lang="fr-FR" smtClean="0"/>
               <a:pPr/>
-              <a:t>26/12/2014</a:t>
+              <a:t>25/12/2025</a:t>
             </a:fld>
             <a:endParaRPr lang="fr-FR"/>
           </a:p>
@@ -2542,7 +2557,7 @@
             <a:fld id="{E1E9137A-D7C1-4F8C-A62B-C89ADD9F06F3}" type="datetimeFigureOut">
               <a:rPr lang="fr-FR" smtClean="0"/>
               <a:pPr/>
-              <a:t>26/12/2014</a:t>
+              <a:t>25/12/2025</a:t>
             </a:fld>
             <a:endParaRPr lang="fr-FR"/>
           </a:p>
@@ -2757,7 +2772,7 @@
             <a:fld id="{E1E9137A-D7C1-4F8C-A62B-C89ADD9F06F3}" type="datetimeFigureOut">
               <a:rPr lang="fr-FR" smtClean="0"/>
               <a:pPr/>
-              <a:t>26/12/2014</a:t>
+              <a:t>25/12/2025</a:t>
             </a:fld>
             <a:endParaRPr lang="fr-FR"/>
           </a:p>
@@ -3119,6 +3134,20 @@
 <file path=ppt/slides/slide1.xml><?xml version="1.0" encoding="utf-8"?>
 <p:sld xmlns:a="http://schemas.openxmlformats.org/drawingml/2006/main" xmlns:r="http://schemas.openxmlformats.org/officeDocument/2006/relationships" xmlns:p="http://schemas.openxmlformats.org/presentationml/2006/main">
   <p:cSld>
+    <p:bg>
+      <p:bgPr>
+        <a:blipFill dpi="0" rotWithShape="1">
+          <a:blip r:embed="rId2">
+            <a:lum/>
+          </a:blip>
+          <a:srcRect/>
+          <a:stretch>
+            <a:fillRect t="-6000" b="-6000"/>
+          </a:stretch>
+        </a:blipFill>
+        <a:effectLst/>
+      </p:bgPr>
+    </p:bg>
     <p:spTree>
       <p:nvGrpSpPr>
         <p:cNvPr id="1" name=""/>
@@ -3133,132 +3162,153 @@
           <a:chExt cx="0" cy="0"/>
         </a:xfrm>
       </p:grpSpPr>
-      <p:pic>
-        <p:nvPicPr>
-          <p:cNvPr id="2" name="Image 1"/>
-          <p:cNvPicPr>
-            <a:picLocks noChangeAspect="1"/>
-          </p:cNvPicPr>
+      <p:sp>
+        <p:nvSpPr>
+          <p:cNvPr id="6" name="Rectangle 5"/>
+          <p:cNvSpPr/>
           <p:nvPr/>
-        </p:nvPicPr>
-        <p:blipFill>
-          <a:blip r:embed="rId2">
-            <a:extLst>
-              <a:ext uri="{28A0092B-C50C-407E-A947-70E740481C1C}">
-                <a14:useLocalDpi xmlns:a14="http://schemas.microsoft.com/office/drawing/2010/main" val="0"/>
-              </a:ext>
-            </a:extLst>
-          </a:blip>
-          <a:stretch>
-            <a:fillRect/>
-          </a:stretch>
-        </p:blipFill>
+        </p:nvSpPr>
         <p:spPr>
           <a:xfrm>
-            <a:off x="2526" y="0"/>
-            <a:ext cx="4077419" cy="5143500"/>
+            <a:off x="4644008" y="4425229"/>
+            <a:ext cx="4398897" cy="707886"/>
           </a:xfrm>
           <a:prstGeom prst="rect">
             <a:avLst/>
           </a:prstGeom>
         </p:spPr>
-      </p:pic>
-      <p:sp>
-        <p:nvSpPr>
-          <p:cNvPr id="4" name="ZoneTexte 3"/>
-          <p:cNvSpPr txBox="1"/>
+        <p:txBody>
+          <a:bodyPr wrap="none">
+            <a:spAutoFit/>
+          </a:bodyPr>
+          <a:lstStyle/>
+          <a:p>
+            <a:r>
+              <a:rPr lang="fr-FR" sz="4000" b="1" i="1" dirty="0" err="1" smtClean="0">
+                <a:solidFill>
+                  <a:schemeClr val="bg1"/>
+                </a:solidFill>
+              </a:rPr>
+              <a:t>Iza</a:t>
+            </a:r>
+            <a:r>
+              <a:rPr lang="fr-FR" sz="4000" b="1" i="1" dirty="0" smtClean="0">
+                <a:solidFill>
+                  <a:schemeClr val="bg1"/>
+                </a:solidFill>
+              </a:rPr>
+              <a:t> </a:t>
+            </a:r>
+            <a:r>
+              <a:rPr lang="fr-FR" sz="4000" b="1" i="1" dirty="0" err="1" smtClean="0">
+                <a:solidFill>
+                  <a:schemeClr val="bg1"/>
+                </a:solidFill>
+              </a:rPr>
+              <a:t>moa</a:t>
+            </a:r>
+            <a:r>
+              <a:rPr lang="fr-FR" sz="4000" b="1" i="1" dirty="0" smtClean="0">
+                <a:solidFill>
+                  <a:schemeClr val="bg1"/>
+                </a:solidFill>
+              </a:rPr>
+              <a:t> </a:t>
+            </a:r>
+            <a:r>
+              <a:rPr lang="fr-FR" sz="4000" b="1" i="1" dirty="0" err="1" smtClean="0">
+                <a:solidFill>
+                  <a:schemeClr val="bg1"/>
+                </a:solidFill>
+              </a:rPr>
+              <a:t>io</a:t>
+            </a:r>
+            <a:r>
+              <a:rPr lang="fr-FR" sz="4000" b="1" i="1" dirty="0" smtClean="0">
+                <a:solidFill>
+                  <a:schemeClr val="bg1"/>
+                </a:solidFill>
+              </a:rPr>
+              <a:t> </a:t>
+            </a:r>
+            <a:r>
+              <a:rPr lang="fr-FR" sz="4000" b="1" i="1" dirty="0" err="1" smtClean="0">
+                <a:solidFill>
+                  <a:schemeClr val="bg1"/>
+                </a:solidFill>
+              </a:rPr>
+              <a:t>Zazakely</a:t>
+            </a:r>
+            <a:endParaRPr lang="fr-FR" sz="4000" i="1" dirty="0">
+              <a:solidFill>
+                <a:schemeClr val="bg1"/>
+              </a:solidFill>
+            </a:endParaRPr>
+          </a:p>
+        </p:txBody>
+      </p:sp>
+      <p:sp>
+        <p:nvSpPr>
+          <p:cNvPr id="8" name="Rectangle 7"/>
+          <p:cNvSpPr/>
           <p:nvPr/>
         </p:nvSpPr>
         <p:spPr>
           <a:xfrm>
-            <a:off x="2987824" y="699542"/>
-            <a:ext cx="6156176" cy="3046988"/>
+            <a:off x="228165" y="0"/>
+            <a:ext cx="4503704" cy="3154710"/>
           </a:xfrm>
           <a:prstGeom prst="rect">
             <a:avLst/>
           </a:prstGeom>
-          <a:noFill/>
         </p:spPr>
         <p:txBody>
-          <a:bodyPr wrap="square" rtlCol="0">
+          <a:bodyPr wrap="square">
             <a:spAutoFit/>
           </a:bodyPr>
           <a:lstStyle/>
           <a:p>
-            <a:r>
-              <a:rPr lang="fr-FR" sz="9600" b="1" dirty="0" err="1" smtClean="0">
-                <a:effectLst>
-                  <a:outerShdw blurRad="38100" dist="38100" dir="2700000" algn="tl">
-                    <a:srgbClr val="000000">
-                      <a:alpha val="43137"/>
-                    </a:srgbClr>
-                  </a:outerShdw>
-                </a:effectLst>
-                <a:latin typeface="Admiral" pitchFamily="2" charset="0"/>
-              </a:rPr>
-              <a:t>Vavaka</a:t>
-            </a:r>
-            <a:endParaRPr lang="fr-FR" sz="9600" b="1" dirty="0" smtClean="0">
-              <a:effectLst>
-                <a:outerShdw blurRad="38100" dist="38100" dir="2700000" algn="tl">
-                  <a:srgbClr val="000000">
-                    <a:alpha val="43137"/>
-                  </a:srgbClr>
-                </a:outerShdw>
-              </a:effectLst>
-              <a:latin typeface="Admiral" pitchFamily="2" charset="0"/>
+            <a:pPr algn="ctr"/>
+            <a:r>
+              <a:rPr lang="fi-FI" sz="19900" b="1" dirty="0" smtClean="0">
+                <a:solidFill>
+                  <a:schemeClr val="bg1"/>
+                </a:solidFill>
+              </a:rPr>
+              <a:t>70</a:t>
+            </a:r>
+            <a:endParaRPr lang="fr-FR" sz="19900" dirty="0">
+              <a:solidFill>
+                <a:schemeClr val="bg1"/>
+              </a:solidFill>
             </a:endParaRPr>
           </a:p>
-          <a:p>
-            <a:r>
-              <a:rPr lang="fr-FR" sz="9600" b="1" dirty="0" smtClean="0">
-                <a:effectLst>
-                  <a:outerShdw blurRad="38100" dist="38100" dir="2700000" algn="tl">
-                    <a:srgbClr val="000000">
-                      <a:alpha val="43137"/>
-                    </a:srgbClr>
-                  </a:outerShdw>
-                </a:effectLst>
-                <a:latin typeface="Admiral" pitchFamily="2" charset="0"/>
-              </a:rPr>
-              <a:t>      </a:t>
-            </a:r>
-            <a:r>
-              <a:rPr lang="fr-FR" sz="9600" b="1" dirty="0" err="1" smtClean="0">
-                <a:effectLst>
-                  <a:outerShdw blurRad="38100" dist="38100" dir="2700000" algn="tl">
-                    <a:srgbClr val="000000">
-                      <a:alpha val="43137"/>
-                    </a:srgbClr>
-                  </a:outerShdw>
-                </a:effectLst>
-                <a:latin typeface="Admiral" pitchFamily="2" charset="0"/>
-              </a:rPr>
-              <a:t>fangatahana</a:t>
-            </a:r>
-            <a:endParaRPr lang="fr-FR" sz="9600" b="1" dirty="0">
-              <a:effectLst>
-                <a:outerShdw blurRad="38100" dist="38100" dir="2700000" algn="tl">
-                  <a:srgbClr val="000000">
-                    <a:alpha val="43137"/>
-                  </a:srgbClr>
-                </a:outerShdw>
-              </a:effectLst>
-              <a:latin typeface="Admiral" pitchFamily="2" charset="0"/>
-            </a:endParaRPr>
-          </a:p>
         </p:txBody>
       </p:sp>
     </p:spTree>
-    <p:extLst>
-      <p:ext uri="{BB962C8B-B14F-4D97-AF65-F5344CB8AC3E}">
-        <p14:creationId xmlns:p14="http://schemas.microsoft.com/office/powerpoint/2010/main" val="3144265763"/>
-      </p:ext>
-    </p:extLst>
   </p:cSld>
   <p:clrMapOvr>
     <a:masterClrMapping/>
   </p:clrMapOvr>
+  <mc:AlternateContent xmlns:mc="http://schemas.openxmlformats.org/markup-compatibility/2006" xmlns:p14="http://schemas.microsoft.com/office/powerpoint/2010/main">
+    <mc:Choice Requires="p14">
+      <p:transition spd="slow" p14:dur="1500">
+        <p:split orient="vert"/>
+      </p:transition>
+    </mc:Choice>
+    <mc:Fallback xmlns="">
+      <p:transition spd="slow">
+        <p:split orient="vert"/>
+      </p:transition>
+    </mc:Fallback>
+  </mc:AlternateContent>
+  <p:timing>
+    <p:tnLst>
+      <p:par>
+        <p:cTn id="1" dur="indefinite" restart="never" nodeType="tmRoot"/>
+      </p:par>
+    </p:tnLst>
+  </p:timing>
 </p:sld>
 </file>
 
@@ -3287,8 +3337,8 @@
         </p:nvSpPr>
         <p:spPr>
           <a:xfrm>
-            <a:off x="0" y="288974"/>
-            <a:ext cx="9144000" cy="4154984"/>
+            <a:off x="0" y="514290"/>
+            <a:ext cx="9144000" cy="3785652"/>
           </a:xfrm>
           <a:prstGeom prst="rect">
             <a:avLst/>
@@ -3302,82 +3352,237 @@
           <a:p>
             <a:pPr algn="ctr"/>
             <a:r>
-              <a:rPr lang="pt-BR" sz="6600" b="1" dirty="0"/>
-              <a:t>Ry hazo ao an'ala ô!</a:t>
+              <a:rPr lang="it-IT" sz="6000" b="1" i="1" dirty="0">
+                <a:effectLst>
+                  <a:outerShdw blurRad="38100" dist="38100" dir="2700000" algn="tl">
+                    <a:srgbClr val="000000">
+                      <a:alpha val="43137"/>
+                    </a:srgbClr>
+                  </a:outerShdw>
+                </a:effectLst>
+              </a:rPr>
+              <a:t>Io no Mpanjaka voatendry,</a:t>
             </a:r>
           </a:p>
           <a:p>
             <a:pPr algn="ctr"/>
             <a:r>
-              <a:rPr lang="fr-FR" sz="6600" b="1" dirty="0"/>
-              <a:t>Samia </a:t>
-            </a:r>
-            <a:r>
-              <a:rPr lang="fr-FR" sz="6600" b="1" dirty="0" err="1"/>
-              <a:t>re</a:t>
-            </a:r>
-            <a:r>
-              <a:rPr lang="fr-FR" sz="6600" b="1" dirty="0"/>
+              <a:rPr lang="fr-FR" sz="6000" b="1" i="1" dirty="0" err="1">
+                <a:effectLst>
+                  <a:outerShdw blurRad="38100" dist="38100" dir="2700000" algn="tl">
+                    <a:srgbClr val="000000">
+                      <a:alpha val="43137"/>
+                    </a:srgbClr>
+                  </a:outerShdw>
+                </a:effectLst>
+              </a:rPr>
+              <a:t>Sady</a:t>
+            </a:r>
+            <a:r>
+              <a:rPr lang="fr-FR" sz="6000" b="1" i="1" dirty="0">
+                <a:effectLst>
+                  <a:outerShdw blurRad="38100" dist="38100" dir="2700000" algn="tl">
+                    <a:srgbClr val="000000">
+                      <a:alpha val="43137"/>
+                    </a:srgbClr>
+                  </a:outerShdw>
+                </a:effectLst>
+              </a:rPr>
               <a:t> </a:t>
             </a:r>
             <a:r>
-              <a:rPr lang="fr-FR" sz="6600" b="1" dirty="0" err="1"/>
-              <a:t>manandra-peo</a:t>
-            </a:r>
-            <a:r>
-              <a:rPr lang="fr-FR" sz="6600" b="1" dirty="0"/>
-              <a:t>;</a:t>
+              <a:rPr lang="fr-FR" sz="6000" b="1" i="1" dirty="0" err="1">
+                <a:effectLst>
+                  <a:outerShdw blurRad="38100" dist="38100" dir="2700000" algn="tl">
+                    <a:srgbClr val="000000">
+                      <a:alpha val="43137"/>
+                    </a:srgbClr>
+                  </a:outerShdw>
+                </a:effectLst>
+              </a:rPr>
+              <a:t>mahery</a:t>
+            </a:r>
+            <a:r>
+              <a:rPr lang="fr-FR" sz="6000" b="1" i="1" dirty="0">
+                <a:effectLst>
+                  <a:outerShdw blurRad="38100" dist="38100" dir="2700000" algn="tl">
+                    <a:srgbClr val="000000">
+                      <a:alpha val="43137"/>
+                    </a:srgbClr>
+                  </a:outerShdw>
+                </a:effectLst>
+              </a:rPr>
+              <a:t> no </a:t>
+            </a:r>
+            <a:r>
+              <a:rPr lang="fr-FR" sz="6000" b="1" i="1" dirty="0" err="1">
+                <a:effectLst>
+                  <a:outerShdw blurRad="38100" dist="38100" dir="2700000" algn="tl">
+                    <a:srgbClr val="000000">
+                      <a:alpha val="43137"/>
+                    </a:srgbClr>
+                  </a:outerShdw>
+                </a:effectLst>
+              </a:rPr>
+              <a:t>hendry</a:t>
+            </a:r>
+            <a:r>
+              <a:rPr lang="fr-FR" sz="6000" b="1" i="1" dirty="0">
+                <a:effectLst>
+                  <a:outerShdw blurRad="38100" dist="38100" dir="2700000" algn="tl">
+                    <a:srgbClr val="000000">
+                      <a:alpha val="43137"/>
+                    </a:srgbClr>
+                  </a:outerShdw>
+                </a:effectLst>
+              </a:rPr>
+              <a:t>,</a:t>
             </a:r>
           </a:p>
           <a:p>
             <a:pPr algn="ctr"/>
             <a:r>
-              <a:rPr lang="fr-FR" sz="6600" b="1" dirty="0" err="1"/>
-              <a:t>Ry</a:t>
-            </a:r>
-            <a:r>
-              <a:rPr lang="fr-FR" sz="6600" b="1" dirty="0"/>
+              <a:rPr lang="fr-FR" sz="6000" b="1" i="1" dirty="0">
+                <a:effectLst>
+                  <a:outerShdw blurRad="38100" dist="38100" dir="2700000" algn="tl">
+                    <a:srgbClr val="000000">
+                      <a:alpha val="43137"/>
+                    </a:srgbClr>
+                  </a:outerShdw>
+                </a:effectLst>
+              </a:rPr>
+              <a:t>:,: </a:t>
+            </a:r>
+            <a:r>
+              <a:rPr lang="fr-FR" sz="6000" b="1" i="1" dirty="0" err="1">
+                <a:effectLst>
+                  <a:outerShdw blurRad="38100" dist="38100" dir="2700000" algn="tl">
+                    <a:srgbClr val="000000">
+                      <a:alpha val="43137"/>
+                    </a:srgbClr>
+                  </a:outerShdw>
+                </a:effectLst>
+              </a:rPr>
+              <a:t>Zanak'Andriamanitsika</a:t>
+            </a:r>
+            <a:r>
+              <a:rPr lang="fr-FR" sz="6000" b="1" i="1" dirty="0">
+                <a:effectLst>
+                  <a:outerShdw blurRad="38100" dist="38100" dir="2700000" algn="tl">
+                    <a:srgbClr val="000000">
+                      <a:alpha val="43137"/>
+                    </a:srgbClr>
+                  </a:outerShdw>
+                </a:effectLst>
+              </a:rPr>
+              <a:t>,</a:t>
+            </a:r>
+          </a:p>
+          <a:p>
+            <a:pPr algn="ctr"/>
+            <a:r>
+              <a:rPr lang="fr-FR" sz="6000" b="1" i="1" dirty="0" err="1">
+                <a:effectLst>
+                  <a:outerShdw blurRad="38100" dist="38100" dir="2700000" algn="tl">
+                    <a:srgbClr val="000000">
+                      <a:alpha val="43137"/>
+                    </a:srgbClr>
+                  </a:outerShdw>
+                </a:effectLst>
+              </a:rPr>
+              <a:t>Koa</a:t>
+            </a:r>
+            <a:r>
+              <a:rPr lang="fr-FR" sz="6000" b="1" i="1" dirty="0">
+                <a:effectLst>
+                  <a:outerShdw blurRad="38100" dist="38100" dir="2700000" algn="tl">
+                    <a:srgbClr val="000000">
+                      <a:alpha val="43137"/>
+                    </a:srgbClr>
+                  </a:outerShdw>
+                </a:effectLst>
+              </a:rPr>
               <a:t> </a:t>
             </a:r>
             <a:r>
-              <a:rPr lang="fr-FR" sz="6600" b="1" dirty="0" err="1"/>
-              <a:t>voninkazo</a:t>
-            </a:r>
-            <a:r>
-              <a:rPr lang="fr-FR" sz="6600" b="1" dirty="0"/>
+              <a:rPr lang="fr-FR" sz="6000" b="1" i="1" dirty="0" err="1">
+                <a:effectLst>
+                  <a:outerShdw blurRad="38100" dist="38100" dir="2700000" algn="tl">
+                    <a:srgbClr val="000000">
+                      <a:alpha val="43137"/>
+                    </a:srgbClr>
+                  </a:outerShdw>
+                </a:effectLst>
+              </a:rPr>
+              <a:t>hobio</a:t>
+            </a:r>
+            <a:r>
+              <a:rPr lang="fr-FR" sz="6000" b="1" i="1" dirty="0">
+                <a:effectLst>
+                  <a:outerShdw blurRad="38100" dist="38100" dir="2700000" algn="tl">
+                    <a:srgbClr val="000000">
+                      <a:alpha val="43137"/>
+                    </a:srgbClr>
+                  </a:outerShdw>
+                </a:effectLst>
+              </a:rPr>
               <a:t> </a:t>
             </a:r>
             <a:r>
-              <a:rPr lang="fr-FR" sz="6600" b="1" dirty="0" err="1"/>
-              <a:t>tsara</a:t>
-            </a:r>
-            <a:r>
-              <a:rPr lang="fr-FR" sz="6600" b="1" dirty="0"/>
-              <a:t> ô!</a:t>
-            </a:r>
-          </a:p>
-          <a:p>
-            <a:pPr algn="ctr"/>
-            <a:r>
-              <a:rPr lang="fr-FR" sz="6600" b="1" dirty="0" err="1"/>
-              <a:t>Atero</a:t>
-            </a:r>
-            <a:r>
-              <a:rPr lang="fr-FR" sz="6600" b="1" dirty="0"/>
+              <a:rPr lang="fr-FR" sz="6000" b="1" i="1" dirty="0" err="1">
+                <a:effectLst>
+                  <a:outerShdw blurRad="38100" dist="38100" dir="2700000" algn="tl">
+                    <a:srgbClr val="000000">
+                      <a:alpha val="43137"/>
+                    </a:srgbClr>
+                  </a:outerShdw>
+                </a:effectLst>
+              </a:rPr>
+              <a:t>sy</a:t>
+            </a:r>
+            <a:r>
+              <a:rPr lang="fr-FR" sz="6000" b="1" i="1" dirty="0">
+                <a:effectLst>
+                  <a:outerShdw blurRad="38100" dist="38100" dir="2700000" algn="tl">
+                    <a:srgbClr val="000000">
+                      <a:alpha val="43137"/>
+                    </a:srgbClr>
+                  </a:outerShdw>
+                </a:effectLst>
+              </a:rPr>
               <a:t> </a:t>
             </a:r>
             <a:r>
-              <a:rPr lang="fr-FR" sz="6600" b="1" dirty="0" err="1"/>
-              <a:t>fofo-manitra</a:t>
-            </a:r>
-            <a:endParaRPr lang="fr-FR" sz="6600" b="1" dirty="0"/>
+              <a:rPr lang="fr-FR" sz="6000" b="1" i="1" dirty="0" err="1">
+                <a:effectLst>
+                  <a:outerShdw blurRad="38100" dist="38100" dir="2700000" algn="tl">
+                    <a:srgbClr val="000000">
+                      <a:alpha val="43137"/>
+                    </a:srgbClr>
+                  </a:outerShdw>
+                </a:effectLst>
+              </a:rPr>
+              <a:t>ifalio</a:t>
+            </a:r>
+            <a:r>
+              <a:rPr lang="fr-FR" sz="6000" b="1" i="1" dirty="0">
+                <a:effectLst>
+                  <a:outerShdw blurRad="38100" dist="38100" dir="2700000" algn="tl">
+                    <a:srgbClr val="000000">
+                      <a:alpha val="43137"/>
+                    </a:srgbClr>
+                  </a:outerShdw>
+                </a:effectLst>
+              </a:rPr>
+              <a:t>. :,:</a:t>
+            </a:r>
           </a:p>
         </p:txBody>
       </p:sp>
     </p:spTree>
     <p:extLst>
       <p:ext uri="{BB962C8B-B14F-4D97-AF65-F5344CB8AC3E}">
-        <p14:creationId xmlns:p14="http://schemas.microsoft.com/office/powerpoint/2010/main" val="1143010270"/>
+        <p14:creationId xmlns:p14="http://schemas.microsoft.com/office/powerpoint/2010/main" val="2015371780"/>
       </p:ext>
     </p:extLst>
   </p:cSld>
@@ -3415,8 +3620,8 @@
         </p:nvSpPr>
         <p:spPr>
           <a:xfrm>
-            <a:off x="0" y="514290"/>
-            <a:ext cx="9144000" cy="3785652"/>
+            <a:off x="0" y="360982"/>
+            <a:ext cx="9144000" cy="4154984"/>
           </a:xfrm>
           <a:prstGeom prst="rect">
             <a:avLst/>
@@ -3430,239 +3635,110 @@
           <a:p>
             <a:pPr algn="ctr"/>
             <a:r>
-              <a:rPr lang="it-IT" sz="6000" b="1" i="1" dirty="0">
-                <a:effectLst>
-                  <a:outerShdw blurRad="38100" dist="38100" dir="2700000" algn="tl">
-                    <a:srgbClr val="000000">
-                      <a:alpha val="43137"/>
-                    </a:srgbClr>
-                  </a:outerShdw>
-                </a:effectLst>
-              </a:rPr>
-              <a:t>Io no Mpanjaka voatendry,</a:t>
+              <a:rPr lang="en-US" sz="6600" b="1" dirty="0" smtClean="0">
+                <a:solidFill>
+                  <a:srgbClr val="FF0000"/>
+                </a:solidFill>
+              </a:rPr>
+              <a:t>4. </a:t>
+            </a:r>
+            <a:r>
+              <a:rPr lang="en-US" sz="6600" b="1" dirty="0" err="1" smtClean="0"/>
+              <a:t>Efitra</a:t>
+            </a:r>
+            <a:r>
+              <a:rPr lang="en-US" sz="6600" b="1" dirty="0" smtClean="0"/>
+              <a:t> </a:t>
+            </a:r>
+            <a:r>
+              <a:rPr lang="en-US" sz="6600" b="1" dirty="0" err="1" smtClean="0"/>
+              <a:t>sy</a:t>
+            </a:r>
+            <a:r>
+              <a:rPr lang="en-US" sz="6600" b="1" dirty="0" smtClean="0"/>
+              <a:t> </a:t>
+            </a:r>
+            <a:r>
+              <a:rPr lang="en-US" sz="6600" b="1" dirty="0" err="1" smtClean="0"/>
+              <a:t>tany</a:t>
+            </a:r>
+            <a:r>
+              <a:rPr lang="en-US" sz="6600" b="1" dirty="0" smtClean="0"/>
+              <a:t> </a:t>
+            </a:r>
+            <a:r>
+              <a:rPr lang="en-US" sz="6600" b="1" dirty="0" err="1" smtClean="0"/>
+              <a:t>foana</a:t>
+            </a:r>
+            <a:r>
+              <a:rPr lang="en-US" sz="6600" b="1" dirty="0" smtClean="0"/>
+              <a:t>!</a:t>
             </a:r>
           </a:p>
           <a:p>
             <a:pPr algn="ctr"/>
             <a:r>
-              <a:rPr lang="fr-FR" sz="6000" b="1" i="1" dirty="0" err="1">
-                <a:effectLst>
-                  <a:outerShdw blurRad="38100" dist="38100" dir="2700000" algn="tl">
-                    <a:srgbClr val="000000">
-                      <a:alpha val="43137"/>
-                    </a:srgbClr>
-                  </a:outerShdw>
-                </a:effectLst>
-              </a:rPr>
-              <a:t>Sady</a:t>
-            </a:r>
-            <a:r>
-              <a:rPr lang="fr-FR" sz="6000" b="1" i="1" dirty="0">
-                <a:effectLst>
-                  <a:outerShdw blurRad="38100" dist="38100" dir="2700000" algn="tl">
-                    <a:srgbClr val="000000">
-                      <a:alpha val="43137"/>
-                    </a:srgbClr>
-                  </a:outerShdw>
-                </a:effectLst>
-              </a:rPr>
+              <a:rPr lang="fr-FR" sz="6600" b="1" dirty="0" smtClean="0"/>
+              <a:t>:,: O! </a:t>
+            </a:r>
+            <a:r>
+              <a:rPr lang="fr-FR" sz="6600" b="1" dirty="0" err="1" smtClean="0"/>
+              <a:t>mihirà</a:t>
+            </a:r>
+            <a:r>
+              <a:rPr lang="fr-FR" sz="6600" b="1" dirty="0" smtClean="0"/>
+              <a:t>; :,:</a:t>
+            </a:r>
+          </a:p>
+          <a:p>
+            <a:pPr algn="ctr"/>
+            <a:r>
+              <a:rPr lang="fr-FR" sz="6600" b="1" dirty="0" err="1" smtClean="0"/>
+              <a:t>Lemaka</a:t>
+            </a:r>
+            <a:r>
+              <a:rPr lang="fr-FR" sz="6600" b="1" dirty="0" smtClean="0"/>
               <a:t> </a:t>
             </a:r>
             <a:r>
-              <a:rPr lang="fr-FR" sz="6000" b="1" i="1" dirty="0" err="1">
-                <a:effectLst>
-                  <a:outerShdw blurRad="38100" dist="38100" dir="2700000" algn="tl">
-                    <a:srgbClr val="000000">
-                      <a:alpha val="43137"/>
-                    </a:srgbClr>
-                  </a:outerShdw>
-                </a:effectLst>
-              </a:rPr>
-              <a:t>mahery</a:t>
-            </a:r>
-            <a:r>
-              <a:rPr lang="fr-FR" sz="6000" b="1" i="1" dirty="0">
-                <a:effectLst>
-                  <a:outerShdw blurRad="38100" dist="38100" dir="2700000" algn="tl">
-                    <a:srgbClr val="000000">
-                      <a:alpha val="43137"/>
-                    </a:srgbClr>
-                  </a:outerShdw>
-                </a:effectLst>
-              </a:rPr>
-              <a:t> no </a:t>
-            </a:r>
-            <a:r>
-              <a:rPr lang="fr-FR" sz="6000" b="1" i="1" dirty="0" err="1">
-                <a:effectLst>
-                  <a:outerShdw blurRad="38100" dist="38100" dir="2700000" algn="tl">
-                    <a:srgbClr val="000000">
-                      <a:alpha val="43137"/>
-                    </a:srgbClr>
-                  </a:outerShdw>
-                </a:effectLst>
-              </a:rPr>
-              <a:t>hendry</a:t>
-            </a:r>
-            <a:r>
-              <a:rPr lang="fr-FR" sz="6000" b="1" i="1" dirty="0">
-                <a:effectLst>
-                  <a:outerShdw blurRad="38100" dist="38100" dir="2700000" algn="tl">
-                    <a:srgbClr val="000000">
-                      <a:alpha val="43137"/>
-                    </a:srgbClr>
-                  </a:outerShdw>
-                </a:effectLst>
-              </a:rPr>
-              <a:t>,</a:t>
+              <a:rPr lang="fr-FR" sz="6600" b="1" dirty="0" err="1" smtClean="0"/>
+              <a:t>ary</a:t>
+            </a:r>
+            <a:r>
+              <a:rPr lang="fr-FR" sz="6600" b="1" dirty="0" smtClean="0"/>
+              <a:t> </a:t>
+            </a:r>
+            <a:r>
+              <a:rPr lang="fr-FR" sz="6600" b="1" dirty="0" err="1" smtClean="0"/>
+              <a:t>havoana</a:t>
+            </a:r>
+            <a:r>
+              <a:rPr lang="fr-FR" sz="6600" b="1" dirty="0" smtClean="0"/>
+              <a:t>!</a:t>
             </a:r>
           </a:p>
           <a:p>
             <a:pPr algn="ctr"/>
             <a:r>
-              <a:rPr lang="fr-FR" sz="6000" b="1" i="1" dirty="0">
-                <a:effectLst>
-                  <a:outerShdw blurRad="38100" dist="38100" dir="2700000" algn="tl">
-                    <a:srgbClr val="000000">
-                      <a:alpha val="43137"/>
-                    </a:srgbClr>
-                  </a:outerShdw>
-                </a:effectLst>
-              </a:rPr>
-              <a:t>:,: </a:t>
-            </a:r>
-            <a:r>
-              <a:rPr lang="fr-FR" sz="6000" b="1" i="1" dirty="0" err="1">
-                <a:effectLst>
-                  <a:outerShdw blurRad="38100" dist="38100" dir="2700000" algn="tl">
-                    <a:srgbClr val="000000">
-                      <a:alpha val="43137"/>
-                    </a:srgbClr>
-                  </a:outerShdw>
-                </a:effectLst>
-              </a:rPr>
-              <a:t>Zanak'Andriamanitsika</a:t>
-            </a:r>
-            <a:r>
-              <a:rPr lang="fr-FR" sz="6000" b="1" i="1" dirty="0">
-                <a:effectLst>
-                  <a:outerShdw blurRad="38100" dist="38100" dir="2700000" algn="tl">
-                    <a:srgbClr val="000000">
-                      <a:alpha val="43137"/>
-                    </a:srgbClr>
-                  </a:outerShdw>
-                </a:effectLst>
-              </a:rPr>
-              <a:t>,</a:t>
-            </a:r>
-          </a:p>
-          <a:p>
-            <a:pPr algn="ctr"/>
-            <a:r>
-              <a:rPr lang="fr-FR" sz="6000" b="1" i="1" dirty="0" err="1">
-                <a:effectLst>
-                  <a:outerShdw blurRad="38100" dist="38100" dir="2700000" algn="tl">
-                    <a:srgbClr val="000000">
-                      <a:alpha val="43137"/>
-                    </a:srgbClr>
-                  </a:outerShdw>
-                </a:effectLst>
-              </a:rPr>
-              <a:t>Koa</a:t>
-            </a:r>
-            <a:r>
-              <a:rPr lang="fr-FR" sz="6000" b="1" i="1" dirty="0">
-                <a:effectLst>
-                  <a:outerShdw blurRad="38100" dist="38100" dir="2700000" algn="tl">
-                    <a:srgbClr val="000000">
-                      <a:alpha val="43137"/>
-                    </a:srgbClr>
-                  </a:outerShdw>
-                </a:effectLst>
-              </a:rPr>
-              <a:t> </a:t>
-            </a:r>
-            <a:r>
-              <a:rPr lang="fr-FR" sz="6000" b="1" i="1" dirty="0" err="1">
-                <a:effectLst>
-                  <a:outerShdw blurRad="38100" dist="38100" dir="2700000" algn="tl">
-                    <a:srgbClr val="000000">
-                      <a:alpha val="43137"/>
-                    </a:srgbClr>
-                  </a:outerShdw>
-                </a:effectLst>
-              </a:rPr>
-              <a:t>hobio</a:t>
-            </a:r>
-            <a:r>
-              <a:rPr lang="fr-FR" sz="6000" b="1" i="1" dirty="0">
-                <a:effectLst>
-                  <a:outerShdw blurRad="38100" dist="38100" dir="2700000" algn="tl">
-                    <a:srgbClr val="000000">
-                      <a:alpha val="43137"/>
-                    </a:srgbClr>
-                  </a:outerShdw>
-                </a:effectLst>
-              </a:rPr>
-              <a:t> </a:t>
-            </a:r>
-            <a:r>
-              <a:rPr lang="fr-FR" sz="6000" b="1" i="1" dirty="0" err="1">
-                <a:effectLst>
-                  <a:outerShdw blurRad="38100" dist="38100" dir="2700000" algn="tl">
-                    <a:srgbClr val="000000">
-                      <a:alpha val="43137"/>
-                    </a:srgbClr>
-                  </a:outerShdw>
-                </a:effectLst>
-              </a:rPr>
-              <a:t>sy</a:t>
-            </a:r>
-            <a:r>
-              <a:rPr lang="fr-FR" sz="6000" b="1" i="1" dirty="0">
-                <a:effectLst>
-                  <a:outerShdw blurRad="38100" dist="38100" dir="2700000" algn="tl">
-                    <a:srgbClr val="000000">
-                      <a:alpha val="43137"/>
-                    </a:srgbClr>
-                  </a:outerShdw>
-                </a:effectLst>
-              </a:rPr>
-              <a:t> </a:t>
-            </a:r>
-            <a:r>
-              <a:rPr lang="fr-FR" sz="6000" b="1" i="1" dirty="0" err="1">
-                <a:effectLst>
-                  <a:outerShdw blurRad="38100" dist="38100" dir="2700000" algn="tl">
-                    <a:srgbClr val="000000">
-                      <a:alpha val="43137"/>
-                    </a:srgbClr>
-                  </a:outerShdw>
-                </a:effectLst>
-              </a:rPr>
-              <a:t>ifalio</a:t>
-            </a:r>
-            <a:r>
-              <a:rPr lang="fr-FR" sz="6000" b="1" i="1" dirty="0">
-                <a:effectLst>
-                  <a:outerShdw blurRad="38100" dist="38100" dir="2700000" algn="tl">
-                    <a:srgbClr val="000000">
-                      <a:alpha val="43137"/>
-                    </a:srgbClr>
-                  </a:outerShdw>
-                </a:effectLst>
-              </a:rPr>
-              <a:t>. :,:</a:t>
+              <a:rPr lang="fr-FR" sz="6600" b="1" dirty="0" err="1" smtClean="0"/>
+              <a:t>Falia</a:t>
+            </a:r>
+            <a:r>
+              <a:rPr lang="fr-FR" sz="6600" b="1" dirty="0" smtClean="0"/>
+              <a:t>, </a:t>
+            </a:r>
+            <a:r>
+              <a:rPr lang="fr-FR" sz="6600" b="1" dirty="0" err="1" smtClean="0"/>
+              <a:t>mihirà</a:t>
+            </a:r>
+            <a:r>
+              <a:rPr lang="fr-FR" sz="6600" b="1" dirty="0" smtClean="0"/>
+              <a:t>;</a:t>
             </a:r>
           </a:p>
         </p:txBody>
       </p:sp>
     </p:spTree>
-    <p:extLst>
-      <p:ext uri="{BB962C8B-B14F-4D97-AF65-F5344CB8AC3E}">
-        <p14:creationId xmlns:p14="http://schemas.microsoft.com/office/powerpoint/2010/main" val="2015371780"/>
-      </p:ext>
-    </p:extLst>
   </p:cSld>
   <p:clrMapOvr>
     <a:masterClrMapping/>
@@ -3713,110 +3789,119 @@
           <a:p>
             <a:pPr algn="ctr"/>
             <a:r>
-              <a:rPr lang="en-US" sz="6600" b="1" dirty="0" smtClean="0">
-                <a:solidFill>
-                  <a:srgbClr val="FF0000"/>
-                </a:solidFill>
-              </a:rPr>
-              <a:t>4. </a:t>
-            </a:r>
-            <a:r>
-              <a:rPr lang="en-US" sz="6600" b="1" dirty="0" err="1" smtClean="0"/>
-              <a:t>Efitra</a:t>
-            </a:r>
-            <a:r>
-              <a:rPr lang="en-US" sz="6600" b="1" dirty="0" smtClean="0"/>
+              <a:rPr lang="fr-FR" sz="6600" b="1" dirty="0" err="1"/>
+              <a:t>Ry</a:t>
+            </a:r>
+            <a:r>
+              <a:rPr lang="fr-FR" sz="6600" b="1" dirty="0"/>
               <a:t> </a:t>
             </a:r>
             <a:r>
-              <a:rPr lang="en-US" sz="6600" b="1" dirty="0" err="1" smtClean="0"/>
-              <a:t>sy</a:t>
-            </a:r>
-            <a:r>
-              <a:rPr lang="en-US" sz="6600" b="1" dirty="0" smtClean="0"/>
+              <a:rPr lang="fr-FR" sz="6600" b="1" dirty="0" err="1"/>
+              <a:t>ranomasin-dehibe</a:t>
+            </a:r>
+            <a:r>
+              <a:rPr lang="fr-FR" sz="6600" b="1" dirty="0"/>
+              <a:t>,</a:t>
+            </a:r>
+          </a:p>
+          <a:p>
+            <a:pPr algn="ctr"/>
+            <a:r>
+              <a:rPr lang="fr-FR" sz="6600" b="1" dirty="0" err="1"/>
+              <a:t>Ry</a:t>
+            </a:r>
+            <a:r>
+              <a:rPr lang="fr-FR" sz="6600" b="1" dirty="0"/>
               <a:t> </a:t>
             </a:r>
             <a:r>
-              <a:rPr lang="en-US" sz="6600" b="1" dirty="0" err="1" smtClean="0"/>
-              <a:t>tany</a:t>
-            </a:r>
-            <a:r>
-              <a:rPr lang="en-US" sz="6600" b="1" dirty="0" smtClean="0"/>
+              <a:rPr lang="fr-FR" sz="6600" b="1" dirty="0" err="1"/>
+              <a:t>voron-kely</a:t>
+            </a:r>
+            <a:r>
+              <a:rPr lang="fr-FR" sz="6600" b="1" dirty="0"/>
               <a:t> </a:t>
             </a:r>
             <a:r>
-              <a:rPr lang="en-US" sz="6600" b="1" dirty="0" err="1" smtClean="0"/>
-              <a:t>foana</a:t>
-            </a:r>
-            <a:r>
-              <a:rPr lang="en-US" sz="6600" b="1" dirty="0" smtClean="0"/>
+              <a:rPr lang="fr-FR" sz="6600" b="1" dirty="0" err="1"/>
+              <a:t>tsara</a:t>
+            </a:r>
+            <a:r>
+              <a:rPr lang="fr-FR" sz="6600" b="1" dirty="0"/>
+              <a:t> </a:t>
+            </a:r>
+            <a:r>
+              <a:rPr lang="fr-FR" sz="6600" b="1" dirty="0" err="1"/>
+              <a:t>feo</a:t>
+            </a:r>
+            <a:r>
+              <a:rPr lang="fr-FR" sz="6600" b="1" dirty="0"/>
               <a:t>!</a:t>
             </a:r>
           </a:p>
           <a:p>
             <a:pPr algn="ctr"/>
             <a:r>
-              <a:rPr lang="fr-FR" sz="6600" b="1" dirty="0" smtClean="0"/>
-              <a:t>:,: O! </a:t>
-            </a:r>
-            <a:r>
-              <a:rPr lang="fr-FR" sz="6600" b="1" dirty="0" err="1" smtClean="0"/>
-              <a:t>mihirà</a:t>
-            </a:r>
-            <a:r>
-              <a:rPr lang="fr-FR" sz="6600" b="1" dirty="0" smtClean="0"/>
-              <a:t>; :,:</a:t>
+              <a:rPr lang="fr-FR" sz="6600" b="1" dirty="0" err="1"/>
+              <a:t>Izao</a:t>
+            </a:r>
+            <a:r>
+              <a:rPr lang="fr-FR" sz="6600" b="1" dirty="0"/>
+              <a:t> </a:t>
+            </a:r>
+            <a:r>
+              <a:rPr lang="fr-FR" sz="6600" b="1" dirty="0" err="1"/>
+              <a:t>rehetra</a:t>
+            </a:r>
+            <a:r>
+              <a:rPr lang="fr-FR" sz="6600" b="1" dirty="0"/>
+              <a:t> </a:t>
+            </a:r>
+            <a:r>
+              <a:rPr lang="fr-FR" sz="6600" b="1" dirty="0" err="1"/>
+              <a:t>marobe</a:t>
+            </a:r>
+            <a:r>
+              <a:rPr lang="fr-FR" sz="6600" b="1" dirty="0"/>
+              <a:t>!</a:t>
             </a:r>
           </a:p>
           <a:p>
             <a:pPr algn="ctr"/>
             <a:r>
-              <a:rPr lang="fr-FR" sz="6600" b="1" dirty="0" err="1" smtClean="0"/>
-              <a:t>Lemaka</a:t>
-            </a:r>
-            <a:r>
-              <a:rPr lang="fr-FR" sz="6600" b="1" dirty="0" smtClean="0"/>
+              <a:rPr lang="fr-FR" sz="6600" b="1" dirty="0" err="1"/>
+              <a:t>Avia</a:t>
+            </a:r>
+            <a:r>
+              <a:rPr lang="fr-FR" sz="6600" b="1" dirty="0"/>
               <a:t> </a:t>
             </a:r>
             <a:r>
-              <a:rPr lang="fr-FR" sz="6600" b="1" dirty="0" err="1" smtClean="0"/>
-              <a:t>ary</a:t>
-            </a:r>
-            <a:r>
-              <a:rPr lang="fr-FR" sz="6600" b="1" dirty="0" smtClean="0"/>
+              <a:rPr lang="fr-FR" sz="6600" b="1" dirty="0" err="1"/>
+              <a:t>mankalaza</a:t>
+            </a:r>
+            <a:r>
+              <a:rPr lang="fr-FR" sz="6600" b="1" dirty="0"/>
               <a:t> </a:t>
             </a:r>
             <a:r>
-              <a:rPr lang="fr-FR" sz="6600" b="1" dirty="0" err="1" smtClean="0"/>
-              <a:t>havoana</a:t>
-            </a:r>
-            <a:r>
-              <a:rPr lang="fr-FR" sz="6600" b="1" dirty="0" smtClean="0"/>
-              <a:t>!</a:t>
-            </a:r>
-          </a:p>
-          <a:p>
-            <a:pPr algn="ctr"/>
-            <a:r>
-              <a:rPr lang="fr-FR" sz="6600" b="1" dirty="0" err="1" smtClean="0"/>
-              <a:t>Falia</a:t>
-            </a:r>
-            <a:r>
-              <a:rPr lang="fr-FR" sz="6600" b="1" dirty="0" smtClean="0"/>
-              <a:t>, </a:t>
-            </a:r>
-            <a:r>
-              <a:rPr lang="fr-FR" sz="6600" b="1" dirty="0" err="1" smtClean="0"/>
-              <a:t>mihirà</a:t>
-            </a:r>
-            <a:r>
-              <a:rPr lang="fr-FR" sz="6600" b="1" dirty="0" smtClean="0"/>
+              <a:rPr lang="fr-FR" sz="6600" b="1" dirty="0" err="1"/>
+              <a:t>re</a:t>
+            </a:r>
+            <a:r>
+              <a:rPr lang="fr-FR" sz="6600" b="1" dirty="0"/>
               <a:t>;</a:t>
             </a:r>
           </a:p>
         </p:txBody>
       </p:sp>
     </p:spTree>
+    <p:extLst>
+      <p:ext uri="{BB962C8B-B14F-4D97-AF65-F5344CB8AC3E}">
+        <p14:creationId xmlns:p14="http://schemas.microsoft.com/office/powerpoint/2010/main" val="2713007723"/>
+      </p:ext>
+    </p:extLst>
   </p:cSld>
   <p:clrMapOvr>
     <a:masterClrMapping/>
@@ -3852,169 +3937,6 @@
         </p:nvSpPr>
         <p:spPr>
           <a:xfrm>
-            <a:off x="0" y="360982"/>
-            <a:ext cx="9144000" cy="4154984"/>
-          </a:xfrm>
-          <a:prstGeom prst="rect">
-            <a:avLst/>
-          </a:prstGeom>
-        </p:spPr>
-        <p:txBody>
-          <a:bodyPr wrap="square">
-            <a:spAutoFit/>
-          </a:bodyPr>
-          <a:lstStyle/>
-          <a:p>
-            <a:pPr algn="ctr"/>
-            <a:r>
-              <a:rPr lang="fr-FR" sz="6600" b="1" dirty="0" err="1"/>
-              <a:t>Ry</a:t>
-            </a:r>
-            <a:r>
-              <a:rPr lang="fr-FR" sz="6600" b="1" dirty="0"/>
-              <a:t> </a:t>
-            </a:r>
-            <a:r>
-              <a:rPr lang="fr-FR" sz="6600" b="1" dirty="0" err="1"/>
-              <a:t>ranomasin-dehibe</a:t>
-            </a:r>
-            <a:r>
-              <a:rPr lang="fr-FR" sz="6600" b="1" dirty="0"/>
-              <a:t>,</a:t>
-            </a:r>
-          </a:p>
-          <a:p>
-            <a:pPr algn="ctr"/>
-            <a:r>
-              <a:rPr lang="fr-FR" sz="6600" b="1" dirty="0" err="1"/>
-              <a:t>Ry</a:t>
-            </a:r>
-            <a:r>
-              <a:rPr lang="fr-FR" sz="6600" b="1" dirty="0"/>
-              <a:t> </a:t>
-            </a:r>
-            <a:r>
-              <a:rPr lang="fr-FR" sz="6600" b="1" dirty="0" err="1"/>
-              <a:t>voron-kely</a:t>
-            </a:r>
-            <a:r>
-              <a:rPr lang="fr-FR" sz="6600" b="1" dirty="0"/>
-              <a:t> </a:t>
-            </a:r>
-            <a:r>
-              <a:rPr lang="fr-FR" sz="6600" b="1" dirty="0" err="1"/>
-              <a:t>tsara</a:t>
-            </a:r>
-            <a:r>
-              <a:rPr lang="fr-FR" sz="6600" b="1" dirty="0"/>
-              <a:t> </a:t>
-            </a:r>
-            <a:r>
-              <a:rPr lang="fr-FR" sz="6600" b="1" dirty="0" err="1"/>
-              <a:t>feo</a:t>
-            </a:r>
-            <a:r>
-              <a:rPr lang="fr-FR" sz="6600" b="1" dirty="0"/>
-              <a:t>!</a:t>
-            </a:r>
-          </a:p>
-          <a:p>
-            <a:pPr algn="ctr"/>
-            <a:r>
-              <a:rPr lang="fr-FR" sz="6600" b="1" dirty="0" err="1"/>
-              <a:t>Izao</a:t>
-            </a:r>
-            <a:r>
-              <a:rPr lang="fr-FR" sz="6600" b="1" dirty="0"/>
-              <a:t> </a:t>
-            </a:r>
-            <a:r>
-              <a:rPr lang="fr-FR" sz="6600" b="1" dirty="0" err="1"/>
-              <a:t>rehetra</a:t>
-            </a:r>
-            <a:r>
-              <a:rPr lang="fr-FR" sz="6600" b="1" dirty="0"/>
-              <a:t> </a:t>
-            </a:r>
-            <a:r>
-              <a:rPr lang="fr-FR" sz="6600" b="1" dirty="0" err="1"/>
-              <a:t>marobe</a:t>
-            </a:r>
-            <a:r>
-              <a:rPr lang="fr-FR" sz="6600" b="1" dirty="0"/>
-              <a:t>!</a:t>
-            </a:r>
-          </a:p>
-          <a:p>
-            <a:pPr algn="ctr"/>
-            <a:r>
-              <a:rPr lang="fr-FR" sz="6600" b="1" dirty="0" err="1"/>
-              <a:t>Avia</a:t>
-            </a:r>
-            <a:r>
-              <a:rPr lang="fr-FR" sz="6600" b="1" dirty="0"/>
-              <a:t> </a:t>
-            </a:r>
-            <a:r>
-              <a:rPr lang="fr-FR" sz="6600" b="1" dirty="0" err="1"/>
-              <a:t>mankalaza</a:t>
-            </a:r>
-            <a:r>
-              <a:rPr lang="fr-FR" sz="6600" b="1" dirty="0"/>
-              <a:t> </a:t>
-            </a:r>
-            <a:r>
-              <a:rPr lang="fr-FR" sz="6600" b="1" dirty="0" err="1"/>
-              <a:t>re</a:t>
-            </a:r>
-            <a:r>
-              <a:rPr lang="fr-FR" sz="6600" b="1" dirty="0"/>
-              <a:t>;</a:t>
-            </a:r>
-          </a:p>
-        </p:txBody>
-      </p:sp>
-    </p:spTree>
-    <p:extLst>
-      <p:ext uri="{BB962C8B-B14F-4D97-AF65-F5344CB8AC3E}">
-        <p14:creationId xmlns:p14="http://schemas.microsoft.com/office/powerpoint/2010/main" val="2713007723"/>
-      </p:ext>
-    </p:extLst>
-  </p:cSld>
-  <p:clrMapOvr>
-    <a:masterClrMapping/>
-  </p:clrMapOvr>
-  <p:transition spd="slow">
-    <p:push dir="u"/>
-  </p:transition>
-</p:sld>
-</file>
-
-<file path=ppt/slides/slide14.xml><?xml version="1.0" encoding="utf-8"?>
-<p:sld xmlns:a="http://schemas.openxmlformats.org/drawingml/2006/main" xmlns:r="http://schemas.openxmlformats.org/officeDocument/2006/relationships" xmlns:p="http://schemas.openxmlformats.org/presentationml/2006/main">
-  <p:cSld>
-    <p:spTree>
-      <p:nvGrpSpPr>
-        <p:cNvPr id="1" name=""/>
-        <p:cNvGrpSpPr/>
-        <p:nvPr/>
-      </p:nvGrpSpPr>
-      <p:grpSpPr>
-        <a:xfrm>
-          <a:off x="0" y="0"/>
-          <a:ext cx="0" cy="0"/>
-          <a:chOff x="0" y="0"/>
-          <a:chExt cx="0" cy="0"/>
-        </a:xfrm>
-      </p:grpSpPr>
-      <p:sp>
-        <p:nvSpPr>
-          <p:cNvPr id="7" name="Rectangle 6"/>
-          <p:cNvSpPr/>
-          <p:nvPr/>
-        </p:nvSpPr>
-        <p:spPr>
-          <a:xfrm>
             <a:off x="0" y="586298"/>
             <a:ext cx="9144000" cy="3785652"/>
           </a:xfrm>
@@ -4276,20 +4198,6 @@
 <file path=ppt/slides/slide2.xml><?xml version="1.0" encoding="utf-8"?>
 <p:sld xmlns:a="http://schemas.openxmlformats.org/drawingml/2006/main" xmlns:r="http://schemas.openxmlformats.org/officeDocument/2006/relationships" xmlns:p="http://schemas.openxmlformats.org/presentationml/2006/main">
   <p:cSld>
-    <p:bg>
-      <p:bgPr>
-        <a:blipFill dpi="0" rotWithShape="1">
-          <a:blip r:embed="rId2">
-            <a:lum/>
-          </a:blip>
-          <a:srcRect/>
-          <a:stretch>
-            <a:fillRect t="-6000" b="-6000"/>
-          </a:stretch>
-        </a:blipFill>
-        <a:effectLst/>
-      </p:bgPr>
-    </p:bg>
     <p:spTree>
       <p:nvGrpSpPr>
         <p:cNvPr id="1" name=""/>
@@ -4306,124 +4214,90 @@
       </p:grpSpPr>
       <p:sp>
         <p:nvSpPr>
-          <p:cNvPr id="6" name="Rectangle 5"/>
+          <p:cNvPr id="7" name="Rectangle 6"/>
           <p:cNvSpPr/>
           <p:nvPr/>
         </p:nvSpPr>
         <p:spPr>
           <a:xfrm>
-            <a:off x="4644008" y="4425229"/>
-            <a:ext cx="4398897" cy="707886"/>
+            <a:off x="0" y="279683"/>
+            <a:ext cx="9144000" cy="4524315"/>
           </a:xfrm>
           <a:prstGeom prst="rect">
             <a:avLst/>
           </a:prstGeom>
         </p:spPr>
         <p:txBody>
-          <a:bodyPr wrap="none">
-            <a:spAutoFit/>
-          </a:bodyPr>
-          <a:lstStyle/>
-          <a:p>
-            <a:r>
-              <a:rPr lang="fr-FR" sz="4000" b="1" i="1" dirty="0" err="1" smtClean="0">
-                <a:solidFill>
-                  <a:schemeClr val="bg1"/>
-                </a:solidFill>
-              </a:rPr>
-              <a:t>Iza</a:t>
-            </a:r>
-            <a:r>
-              <a:rPr lang="fr-FR" sz="4000" b="1" i="1" dirty="0" smtClean="0">
-                <a:solidFill>
-                  <a:schemeClr val="bg1"/>
-                </a:solidFill>
-              </a:rPr>
-              <a:t> </a:t>
-            </a:r>
-            <a:r>
-              <a:rPr lang="fr-FR" sz="4000" b="1" i="1" dirty="0" err="1" smtClean="0">
-                <a:solidFill>
-                  <a:schemeClr val="bg1"/>
-                </a:solidFill>
-              </a:rPr>
-              <a:t>moa</a:t>
-            </a:r>
-            <a:r>
-              <a:rPr lang="fr-FR" sz="4000" b="1" i="1" dirty="0" smtClean="0">
-                <a:solidFill>
-                  <a:schemeClr val="bg1"/>
-                </a:solidFill>
-              </a:rPr>
-              <a:t> </a:t>
-            </a:r>
-            <a:r>
-              <a:rPr lang="fr-FR" sz="4000" b="1" i="1" dirty="0" err="1" smtClean="0">
-                <a:solidFill>
-                  <a:schemeClr val="bg1"/>
-                </a:solidFill>
-              </a:rPr>
-              <a:t>io</a:t>
-            </a:r>
-            <a:r>
-              <a:rPr lang="fr-FR" sz="4000" b="1" i="1" dirty="0" smtClean="0">
-                <a:solidFill>
-                  <a:schemeClr val="bg1"/>
-                </a:solidFill>
-              </a:rPr>
-              <a:t> </a:t>
-            </a:r>
-            <a:r>
-              <a:rPr lang="fr-FR" sz="4000" b="1" i="1" dirty="0" err="1" smtClean="0">
-                <a:solidFill>
-                  <a:schemeClr val="bg1"/>
-                </a:solidFill>
-              </a:rPr>
-              <a:t>Zazakely</a:t>
-            </a:r>
-            <a:endParaRPr lang="fr-FR" sz="4000" i="1" dirty="0">
-              <a:solidFill>
-                <a:schemeClr val="bg1"/>
-              </a:solidFill>
-            </a:endParaRPr>
-          </a:p>
-        </p:txBody>
-      </p:sp>
-      <p:sp>
-        <p:nvSpPr>
-          <p:cNvPr id="8" name="Rectangle 7"/>
-          <p:cNvSpPr/>
-          <p:nvPr/>
-        </p:nvSpPr>
-        <p:spPr>
-          <a:xfrm>
-            <a:off x="228165" y="0"/>
-            <a:ext cx="4503704" cy="3154710"/>
-          </a:xfrm>
-          <a:prstGeom prst="rect">
-            <a:avLst/>
-          </a:prstGeom>
-        </p:spPr>
-        <p:txBody>
           <a:bodyPr wrap="square">
             <a:spAutoFit/>
           </a:bodyPr>
           <a:lstStyle/>
           <a:p>
+            <a:pPr marL="742950" indent="-742950" algn="ctr">
+              <a:buAutoNum type="arabicPeriod"/>
+            </a:pPr>
+            <a:r>
+              <a:rPr lang="it-IT" sz="7200" b="1" dirty="0" smtClean="0"/>
+              <a:t>Iza moa io Zazakely </a:t>
+            </a:r>
+          </a:p>
+          <a:p>
+            <a:pPr marL="742950" indent="-742950" algn="ctr"/>
+            <a:r>
+              <a:rPr lang="fr-FR" sz="7200" b="1" dirty="0" smtClean="0"/>
+              <a:t>:,: </a:t>
+            </a:r>
+            <a:r>
+              <a:rPr lang="fr-FR" sz="7200" b="1" dirty="0" err="1" smtClean="0"/>
+              <a:t>Ao</a:t>
+            </a:r>
+            <a:r>
+              <a:rPr lang="fr-FR" sz="7200" b="1" dirty="0" smtClean="0"/>
+              <a:t> </a:t>
+            </a:r>
+            <a:r>
+              <a:rPr lang="fr-FR" sz="7200" b="1" dirty="0" err="1" smtClean="0"/>
+              <a:t>Betlehema</a:t>
+            </a:r>
+            <a:r>
+              <a:rPr lang="fr-FR" sz="7200" b="1" dirty="0" smtClean="0"/>
+              <a:t> :,:</a:t>
+            </a:r>
+          </a:p>
+          <a:p>
             <a:pPr algn="ctr"/>
             <a:r>
-              <a:rPr lang="fi-FI" sz="19900" b="1" dirty="0" smtClean="0">
-                <a:solidFill>
-                  <a:schemeClr val="bg1"/>
-                </a:solidFill>
-              </a:rPr>
-              <a:t>70</a:t>
-            </a:r>
-            <a:endParaRPr lang="fr-FR" sz="19900" dirty="0">
-              <a:solidFill>
-                <a:schemeClr val="bg1"/>
-              </a:solidFill>
-            </a:endParaRPr>
+              <a:rPr lang="fr-FR" sz="7200" b="1" dirty="0" err="1" smtClean="0"/>
+              <a:t>Ankalazain'ny</a:t>
+            </a:r>
+            <a:r>
+              <a:rPr lang="fr-FR" sz="7200" b="1" dirty="0" smtClean="0"/>
+              <a:t> </a:t>
+            </a:r>
+            <a:r>
+              <a:rPr lang="fr-FR" sz="7200" b="1" dirty="0" err="1" smtClean="0"/>
+              <a:t>anjely</a:t>
+            </a:r>
+            <a:endParaRPr lang="fr-FR" sz="7200" b="1" dirty="0" smtClean="0"/>
+          </a:p>
+          <a:p>
+            <a:pPr algn="ctr"/>
+            <a:r>
+              <a:rPr lang="fr-FR" sz="7200" b="1" dirty="0" err="1" smtClean="0"/>
+              <a:t>Misasaka</a:t>
+            </a:r>
+            <a:r>
+              <a:rPr lang="fr-FR" sz="7200" b="1" dirty="0" smtClean="0"/>
+              <a:t> alim-</a:t>
+            </a:r>
+            <a:r>
+              <a:rPr lang="fr-FR" sz="7200" b="1" dirty="0" err="1" smtClean="0"/>
+              <a:t>be</a:t>
+            </a:r>
+            <a:r>
+              <a:rPr lang="fr-FR" sz="7200" b="1" dirty="0" smtClean="0"/>
+              <a:t>?</a:t>
+            </a:r>
           </a:p>
         </p:txBody>
       </p:sp>
@@ -4432,18 +4306,9 @@
   <p:clrMapOvr>
     <a:masterClrMapping/>
   </p:clrMapOvr>
-  <mc:AlternateContent xmlns:mc="http://schemas.openxmlformats.org/markup-compatibility/2006" xmlns:p14="http://schemas.microsoft.com/office/powerpoint/2010/main">
-    <mc:Choice Requires="p14">
-      <p:transition spd="slow" p14:dur="1500">
-        <p:split orient="vert"/>
-      </p:transition>
-    </mc:Choice>
-    <mc:Fallback xmlns="">
-      <p:transition spd="slow">
-        <p:split orient="vert"/>
-      </p:transition>
-    </mc:Fallback>
-  </mc:AlternateContent>
+  <p:transition spd="slow">
+    <p:push dir="u"/>
+  </p:transition>
   <p:timing>
     <p:tnLst>
       <p:par>
@@ -4480,7 +4345,7 @@
         <p:spPr>
           <a:xfrm>
             <a:off x="0" y="279683"/>
-            <a:ext cx="9144000" cy="4524315"/>
+            <a:ext cx="9144000" cy="3785652"/>
           </a:xfrm>
           <a:prstGeom prst="rect">
             <a:avLst/>
@@ -4492,75 +4357,103 @@
           </a:bodyPr>
           <a:lstStyle/>
           <a:p>
-            <a:pPr marL="742950" indent="-742950" algn="ctr">
-              <a:buAutoNum type="arabicPeriod"/>
-            </a:pPr>
-            <a:r>
-              <a:rPr lang="it-IT" sz="7200" b="1" dirty="0" smtClean="0"/>
-              <a:t>Iza moa io Zazakely </a:t>
-            </a:r>
-          </a:p>
-          <a:p>
-            <a:pPr marL="742950" indent="-742950" algn="ctr"/>
-            <a:r>
-              <a:rPr lang="fr-FR" sz="7200" b="1" dirty="0" smtClean="0"/>
-              <a:t>:,: </a:t>
-            </a:r>
-            <a:r>
-              <a:rPr lang="fr-FR" sz="7200" b="1" dirty="0" err="1" smtClean="0"/>
-              <a:t>Ao</a:t>
-            </a:r>
-            <a:r>
-              <a:rPr lang="fr-FR" sz="7200" b="1" dirty="0" smtClean="0"/>
+            <a:pPr algn="ctr"/>
+            <a:r>
+              <a:rPr lang="fr-FR" sz="6000" b="1" dirty="0" err="1"/>
+              <a:t>Injao</a:t>
+            </a:r>
+            <a:r>
+              <a:rPr lang="fr-FR" sz="6000" b="1" dirty="0"/>
+              <a:t>! </a:t>
+            </a:r>
+            <a:r>
+              <a:rPr lang="fr-FR" sz="6000" b="1" dirty="0" err="1"/>
+              <a:t>Mihira</a:t>
+            </a:r>
+            <a:r>
+              <a:rPr lang="fr-FR" sz="6000" b="1" dirty="0"/>
               <a:t> </a:t>
             </a:r>
             <a:r>
-              <a:rPr lang="fr-FR" sz="7200" b="1" dirty="0" err="1" smtClean="0"/>
-              <a:t>Betlehema</a:t>
-            </a:r>
-            <a:r>
-              <a:rPr lang="fr-FR" sz="7200" b="1" dirty="0" smtClean="0"/>
-              <a:t> :,:</a:t>
-            </a:r>
+              <a:rPr lang="fr-FR" sz="6000" b="1" dirty="0" err="1"/>
+              <a:t>avokoa</a:t>
+            </a:r>
+            <a:endParaRPr lang="fr-FR" sz="6000" b="1" dirty="0"/>
           </a:p>
           <a:p>
             <a:pPr algn="ctr"/>
             <a:r>
-              <a:rPr lang="fr-FR" sz="7200" b="1" dirty="0" err="1" smtClean="0"/>
-              <a:t>Ankalazain'ny</a:t>
-            </a:r>
-            <a:r>
-              <a:rPr lang="fr-FR" sz="7200" b="1" dirty="0" smtClean="0"/>
+              <a:rPr lang="fr-FR" sz="6000" b="1" dirty="0" err="1"/>
+              <a:t>Ny</a:t>
+            </a:r>
+            <a:r>
+              <a:rPr lang="fr-FR" sz="6000" b="1" dirty="0"/>
               <a:t> </a:t>
             </a:r>
             <a:r>
-              <a:rPr lang="fr-FR" sz="7200" b="1" dirty="0" err="1" smtClean="0"/>
-              <a:t>anjely</a:t>
-            </a:r>
-            <a:endParaRPr lang="fr-FR" sz="7200" b="1" dirty="0" smtClean="0"/>
+              <a:rPr lang="fr-FR" sz="6000" b="1" dirty="0" err="1"/>
+              <a:t>mponina</a:t>
+            </a:r>
+            <a:r>
+              <a:rPr lang="fr-FR" sz="6000" b="1" dirty="0"/>
+              <a:t> </a:t>
+            </a:r>
+            <a:r>
+              <a:rPr lang="fr-FR" sz="6000" b="1" dirty="0" err="1"/>
+              <a:t>ao</a:t>
+            </a:r>
+            <a:r>
+              <a:rPr lang="fr-FR" sz="6000" b="1" dirty="0"/>
+              <a:t> an-</a:t>
+            </a:r>
+            <a:r>
+              <a:rPr lang="fr-FR" sz="6000" b="1" dirty="0" err="1"/>
+              <a:t>danitra</a:t>
+            </a:r>
+            <a:r>
+              <a:rPr lang="fr-FR" sz="6000" b="1" dirty="0"/>
+              <a:t>,</a:t>
+            </a:r>
           </a:p>
           <a:p>
             <a:pPr algn="ctr"/>
             <a:r>
-              <a:rPr lang="fr-FR" sz="7200" b="1" dirty="0" err="1" smtClean="0"/>
-              <a:t>Misasaka</a:t>
-            </a:r>
-            <a:r>
-              <a:rPr lang="fr-FR" sz="7200" b="1" dirty="0" smtClean="0"/>
-              <a:t> alim-</a:t>
-            </a:r>
-            <a:r>
-              <a:rPr lang="fr-FR" sz="7200" b="1" dirty="0" err="1" smtClean="0"/>
-              <a:t>be</a:t>
-            </a:r>
-            <a:r>
-              <a:rPr lang="fr-FR" sz="7200" b="1" dirty="0" smtClean="0"/>
+              <a:rPr lang="it-IT" sz="6000" b="1" dirty="0"/>
+              <a:t>Ka iza re io Zaza soa?</a:t>
+            </a:r>
+          </a:p>
+          <a:p>
+            <a:pPr algn="ctr"/>
+            <a:r>
+              <a:rPr lang="fr-FR" sz="6000" b="1" dirty="0"/>
+              <a:t>Moa </a:t>
+            </a:r>
+            <a:r>
+              <a:rPr lang="fr-FR" sz="6000" b="1" dirty="0" err="1"/>
+              <a:t>Zanak</a:t>
+            </a:r>
+            <a:r>
+              <a:rPr lang="fr-FR" sz="6000" b="1" dirty="0"/>
+              <a:t>' </a:t>
+            </a:r>
+            <a:r>
+              <a:rPr lang="fr-FR" sz="6000" b="1" dirty="0" err="1"/>
+              <a:t>Andriamanitra</a:t>
+            </a:r>
+            <a:r>
+              <a:rPr lang="fr-FR" sz="6000" b="1" dirty="0" smtClean="0"/>
               <a:t>?</a:t>
             </a:r>
+            <a:endParaRPr lang="fr-FR" sz="6000" b="1" dirty="0"/>
           </a:p>
         </p:txBody>
       </p:sp>
     </p:spTree>
+    <p:extLst>
+      <p:ext uri="{BB962C8B-B14F-4D97-AF65-F5344CB8AC3E}">
+        <p14:creationId xmlns:p14="http://schemas.microsoft.com/office/powerpoint/2010/main" val="319274935"/>
+      </p:ext>
+    </p:extLst>
   </p:cSld>
   <p:clrMapOvr>
     <a:masterClrMapping/>
@@ -4568,13 +4461,6 @@
   <p:transition spd="slow">
     <p:push dir="u"/>
   </p:transition>
-  <p:timing>
-    <p:tnLst>
-      <p:par>
-        <p:cTn id="1" dur="indefinite" restart="never" nodeType="tmRoot"/>
-      </p:par>
-    </p:tnLst>
-  </p:timing>
 </p:sld>
 </file>
 
@@ -4618,99 +4504,237 @@
           <a:p>
             <a:pPr algn="ctr"/>
             <a:r>
-              <a:rPr lang="fr-FR" sz="6000" b="1" dirty="0" err="1"/>
-              <a:t>Injao</a:t>
-            </a:r>
-            <a:r>
-              <a:rPr lang="fr-FR" sz="6000" b="1" dirty="0"/>
-              <a:t>! </a:t>
-            </a:r>
-            <a:r>
-              <a:rPr lang="fr-FR" sz="6000" b="1" dirty="0" err="1"/>
-              <a:t>Mihira</a:t>
-            </a:r>
-            <a:r>
-              <a:rPr lang="fr-FR" sz="6000" b="1" dirty="0"/>
+              <a:rPr lang="it-IT" sz="6000" b="1" i="1" dirty="0">
+                <a:effectLst>
+                  <a:outerShdw blurRad="38100" dist="38100" dir="2700000" algn="tl">
+                    <a:srgbClr val="000000">
+                      <a:alpha val="43137"/>
+                    </a:srgbClr>
+                  </a:outerShdw>
+                </a:effectLst>
+              </a:rPr>
+              <a:t>Io no Mpanjaka voatendry,</a:t>
+            </a:r>
+          </a:p>
+          <a:p>
+            <a:pPr algn="ctr"/>
+            <a:r>
+              <a:rPr lang="fr-FR" sz="6000" b="1" i="1" dirty="0" err="1">
+                <a:effectLst>
+                  <a:outerShdw blurRad="38100" dist="38100" dir="2700000" algn="tl">
+                    <a:srgbClr val="000000">
+                      <a:alpha val="43137"/>
+                    </a:srgbClr>
+                  </a:outerShdw>
+                </a:effectLst>
+              </a:rPr>
+              <a:t>Sady</a:t>
+            </a:r>
+            <a:r>
+              <a:rPr lang="fr-FR" sz="6000" b="1" i="1" dirty="0">
+                <a:effectLst>
+                  <a:outerShdw blurRad="38100" dist="38100" dir="2700000" algn="tl">
+                    <a:srgbClr val="000000">
+                      <a:alpha val="43137"/>
+                    </a:srgbClr>
+                  </a:outerShdw>
+                </a:effectLst>
+              </a:rPr>
               <a:t> </a:t>
             </a:r>
             <a:r>
-              <a:rPr lang="fr-FR" sz="6000" b="1" dirty="0" err="1"/>
-              <a:t>avokoa</a:t>
-            </a:r>
-            <a:endParaRPr lang="fr-FR" sz="6000" b="1" dirty="0"/>
+              <a:rPr lang="fr-FR" sz="6000" b="1" i="1" dirty="0" err="1">
+                <a:effectLst>
+                  <a:outerShdw blurRad="38100" dist="38100" dir="2700000" algn="tl">
+                    <a:srgbClr val="000000">
+                      <a:alpha val="43137"/>
+                    </a:srgbClr>
+                  </a:outerShdw>
+                </a:effectLst>
+              </a:rPr>
+              <a:t>mahery</a:t>
+            </a:r>
+            <a:r>
+              <a:rPr lang="fr-FR" sz="6000" b="1" i="1" dirty="0">
+                <a:effectLst>
+                  <a:outerShdw blurRad="38100" dist="38100" dir="2700000" algn="tl">
+                    <a:srgbClr val="000000">
+                      <a:alpha val="43137"/>
+                    </a:srgbClr>
+                  </a:outerShdw>
+                </a:effectLst>
+              </a:rPr>
+              <a:t> no </a:t>
+            </a:r>
+            <a:r>
+              <a:rPr lang="fr-FR" sz="6000" b="1" i="1" dirty="0" err="1">
+                <a:effectLst>
+                  <a:outerShdw blurRad="38100" dist="38100" dir="2700000" algn="tl">
+                    <a:srgbClr val="000000">
+                      <a:alpha val="43137"/>
+                    </a:srgbClr>
+                  </a:outerShdw>
+                </a:effectLst>
+              </a:rPr>
+              <a:t>hendry</a:t>
+            </a:r>
+            <a:r>
+              <a:rPr lang="fr-FR" sz="6000" b="1" i="1" dirty="0">
+                <a:effectLst>
+                  <a:outerShdw blurRad="38100" dist="38100" dir="2700000" algn="tl">
+                    <a:srgbClr val="000000">
+                      <a:alpha val="43137"/>
+                    </a:srgbClr>
+                  </a:outerShdw>
+                </a:effectLst>
+              </a:rPr>
+              <a:t>,</a:t>
+            </a:r>
           </a:p>
           <a:p>
             <a:pPr algn="ctr"/>
             <a:r>
-              <a:rPr lang="fr-FR" sz="6000" b="1" dirty="0" err="1"/>
-              <a:t>Ny</a:t>
-            </a:r>
-            <a:r>
-              <a:rPr lang="fr-FR" sz="6000" b="1" dirty="0"/>
+              <a:rPr lang="fr-FR" sz="6000" b="1" i="1" dirty="0">
+                <a:effectLst>
+                  <a:outerShdw blurRad="38100" dist="38100" dir="2700000" algn="tl">
+                    <a:srgbClr val="000000">
+                      <a:alpha val="43137"/>
+                    </a:srgbClr>
+                  </a:outerShdw>
+                </a:effectLst>
+              </a:rPr>
+              <a:t>:,: </a:t>
+            </a:r>
+            <a:r>
+              <a:rPr lang="fr-FR" sz="6000" b="1" i="1" dirty="0" err="1">
+                <a:effectLst>
+                  <a:outerShdw blurRad="38100" dist="38100" dir="2700000" algn="tl">
+                    <a:srgbClr val="000000">
+                      <a:alpha val="43137"/>
+                    </a:srgbClr>
+                  </a:outerShdw>
+                </a:effectLst>
+              </a:rPr>
+              <a:t>Zanak'Andriamanitsika</a:t>
+            </a:r>
+            <a:r>
+              <a:rPr lang="fr-FR" sz="6000" b="1" i="1" dirty="0">
+                <a:effectLst>
+                  <a:outerShdw blurRad="38100" dist="38100" dir="2700000" algn="tl">
+                    <a:srgbClr val="000000">
+                      <a:alpha val="43137"/>
+                    </a:srgbClr>
+                  </a:outerShdw>
+                </a:effectLst>
+              </a:rPr>
+              <a:t>,</a:t>
+            </a:r>
+          </a:p>
+          <a:p>
+            <a:pPr algn="ctr"/>
+            <a:r>
+              <a:rPr lang="fr-FR" sz="6000" b="1" i="1" dirty="0" err="1">
+                <a:effectLst>
+                  <a:outerShdw blurRad="38100" dist="38100" dir="2700000" algn="tl">
+                    <a:srgbClr val="000000">
+                      <a:alpha val="43137"/>
+                    </a:srgbClr>
+                  </a:outerShdw>
+                </a:effectLst>
+              </a:rPr>
+              <a:t>Koa</a:t>
+            </a:r>
+            <a:r>
+              <a:rPr lang="fr-FR" sz="6000" b="1" i="1" dirty="0">
+                <a:effectLst>
+                  <a:outerShdw blurRad="38100" dist="38100" dir="2700000" algn="tl">
+                    <a:srgbClr val="000000">
+                      <a:alpha val="43137"/>
+                    </a:srgbClr>
+                  </a:outerShdw>
+                </a:effectLst>
+              </a:rPr>
               <a:t> </a:t>
             </a:r>
             <a:r>
-              <a:rPr lang="fr-FR" sz="6000" b="1" dirty="0" err="1"/>
-              <a:t>mponina</a:t>
-            </a:r>
-            <a:r>
-              <a:rPr lang="fr-FR" sz="6000" b="1" dirty="0"/>
+              <a:rPr lang="fr-FR" sz="6000" b="1" i="1" dirty="0" err="1">
+                <a:effectLst>
+                  <a:outerShdw blurRad="38100" dist="38100" dir="2700000" algn="tl">
+                    <a:srgbClr val="000000">
+                      <a:alpha val="43137"/>
+                    </a:srgbClr>
+                  </a:outerShdw>
+                </a:effectLst>
+              </a:rPr>
+              <a:t>hobio</a:t>
+            </a:r>
+            <a:r>
+              <a:rPr lang="fr-FR" sz="6000" b="1" i="1" dirty="0">
+                <a:effectLst>
+                  <a:outerShdw blurRad="38100" dist="38100" dir="2700000" algn="tl">
+                    <a:srgbClr val="000000">
+                      <a:alpha val="43137"/>
+                    </a:srgbClr>
+                  </a:outerShdw>
+                </a:effectLst>
+              </a:rPr>
               <a:t> </a:t>
             </a:r>
             <a:r>
-              <a:rPr lang="fr-FR" sz="6000" b="1" dirty="0" err="1"/>
-              <a:t>ao</a:t>
-            </a:r>
-            <a:r>
-              <a:rPr lang="fr-FR" sz="6000" b="1" dirty="0"/>
-              <a:t> an-</a:t>
-            </a:r>
-            <a:r>
-              <a:rPr lang="fr-FR" sz="6000" b="1" dirty="0" err="1"/>
-              <a:t>danitra</a:t>
-            </a:r>
-            <a:r>
-              <a:rPr lang="fr-FR" sz="6000" b="1" dirty="0"/>
-              <a:t>,</a:t>
-            </a:r>
-          </a:p>
-          <a:p>
-            <a:pPr algn="ctr"/>
-            <a:r>
-              <a:rPr lang="it-IT" sz="6000" b="1" dirty="0"/>
-              <a:t>Ka iza re io Zaza soa?</a:t>
-            </a:r>
-          </a:p>
-          <a:p>
-            <a:pPr algn="ctr"/>
-            <a:r>
-              <a:rPr lang="fr-FR" sz="6000" b="1" dirty="0"/>
-              <a:t>Moa </a:t>
-            </a:r>
-            <a:r>
-              <a:rPr lang="fr-FR" sz="6000" b="1" dirty="0" err="1"/>
-              <a:t>Zanak</a:t>
-            </a:r>
-            <a:r>
-              <a:rPr lang="fr-FR" sz="6000" b="1" dirty="0"/>
-              <a:t>' </a:t>
-            </a:r>
-            <a:r>
-              <a:rPr lang="fr-FR" sz="6000" b="1" dirty="0" err="1"/>
-              <a:t>Andriamanitra</a:t>
-            </a:r>
-            <a:r>
-              <a:rPr lang="fr-FR" sz="6000" b="1" dirty="0" smtClean="0"/>
-              <a:t>?</a:t>
-            </a:r>
-            <a:endParaRPr lang="fr-FR" sz="6000" b="1" dirty="0"/>
+              <a:rPr lang="fr-FR" sz="6000" b="1" i="1" dirty="0" err="1">
+                <a:effectLst>
+                  <a:outerShdw blurRad="38100" dist="38100" dir="2700000" algn="tl">
+                    <a:srgbClr val="000000">
+                      <a:alpha val="43137"/>
+                    </a:srgbClr>
+                  </a:outerShdw>
+                </a:effectLst>
+              </a:rPr>
+              <a:t>sy</a:t>
+            </a:r>
+            <a:r>
+              <a:rPr lang="fr-FR" sz="6000" b="1" i="1" dirty="0">
+                <a:effectLst>
+                  <a:outerShdw blurRad="38100" dist="38100" dir="2700000" algn="tl">
+                    <a:srgbClr val="000000">
+                      <a:alpha val="43137"/>
+                    </a:srgbClr>
+                  </a:outerShdw>
+                </a:effectLst>
+              </a:rPr>
+              <a:t> </a:t>
+            </a:r>
+            <a:r>
+              <a:rPr lang="fr-FR" sz="6000" b="1" i="1" dirty="0" err="1">
+                <a:effectLst>
+                  <a:outerShdw blurRad="38100" dist="38100" dir="2700000" algn="tl">
+                    <a:srgbClr val="000000">
+                      <a:alpha val="43137"/>
+                    </a:srgbClr>
+                  </a:outerShdw>
+                </a:effectLst>
+              </a:rPr>
+              <a:t>ifalio</a:t>
+            </a:r>
+            <a:r>
+              <a:rPr lang="fr-FR" sz="6000" b="1" i="1" dirty="0">
+                <a:effectLst>
+                  <a:outerShdw blurRad="38100" dist="38100" dir="2700000" algn="tl">
+                    <a:srgbClr val="000000">
+                      <a:alpha val="43137"/>
+                    </a:srgbClr>
+                  </a:outerShdw>
+                </a:effectLst>
+              </a:rPr>
+              <a:t>. :,:</a:t>
+            </a:r>
           </a:p>
         </p:txBody>
       </p:sp>
     </p:spTree>
     <p:extLst>
       <p:ext uri="{BB962C8B-B14F-4D97-AF65-F5344CB8AC3E}">
-        <p14:creationId xmlns:p14="http://schemas.microsoft.com/office/powerpoint/2010/main" val="319274935"/>
+        <p14:creationId xmlns:p14="http://schemas.microsoft.com/office/powerpoint/2010/main" val="2262297508"/>
       </p:ext>
     </p:extLst>
   </p:cSld>
@@ -4748,8 +4772,8 @@
         </p:nvSpPr>
         <p:spPr>
           <a:xfrm>
-            <a:off x="0" y="279683"/>
-            <a:ext cx="9144000" cy="3785652"/>
+            <a:off x="0" y="360982"/>
+            <a:ext cx="9144000" cy="4154984"/>
           </a:xfrm>
           <a:prstGeom prst="rect">
             <a:avLst/>
@@ -4763,239 +4787,90 @@
           <a:p>
             <a:pPr algn="ctr"/>
             <a:r>
-              <a:rPr lang="it-IT" sz="6000" b="1" i="1" dirty="0">
-                <a:effectLst>
-                  <a:outerShdw blurRad="38100" dist="38100" dir="2700000" algn="tl">
-                    <a:srgbClr val="000000">
-                      <a:alpha val="43137"/>
-                    </a:srgbClr>
-                  </a:outerShdw>
-                </a:effectLst>
-              </a:rPr>
-              <a:t>Io no Mpanjaka voatendry,</a:t>
+              <a:rPr lang="pl-PL" sz="6600" b="1" dirty="0" smtClean="0">
+                <a:solidFill>
+                  <a:srgbClr val="FF0000"/>
+                </a:solidFill>
+              </a:rPr>
+              <a:t>2. </a:t>
+            </a:r>
+            <a:r>
+              <a:rPr lang="pl-PL" sz="6600" b="1" dirty="0" smtClean="0"/>
+              <a:t>Izy no Jeso Mpanjaka,</a:t>
             </a:r>
           </a:p>
           <a:p>
             <a:pPr algn="ctr"/>
             <a:r>
-              <a:rPr lang="fr-FR" sz="6000" b="1" i="1" dirty="0" err="1">
-                <a:effectLst>
-                  <a:outerShdw blurRad="38100" dist="38100" dir="2700000" algn="tl">
-                    <a:srgbClr val="000000">
-                      <a:alpha val="43137"/>
-                    </a:srgbClr>
-                  </a:outerShdw>
-                </a:effectLst>
-              </a:rPr>
-              <a:t>Sady</a:t>
-            </a:r>
-            <a:r>
-              <a:rPr lang="fr-FR" sz="6000" b="1" i="1" dirty="0">
-                <a:effectLst>
-                  <a:outerShdw blurRad="38100" dist="38100" dir="2700000" algn="tl">
-                    <a:srgbClr val="000000">
-                      <a:alpha val="43137"/>
-                    </a:srgbClr>
-                  </a:outerShdw>
-                </a:effectLst>
-              </a:rPr>
+              <a:rPr lang="fr-FR" sz="6600" b="1" dirty="0" smtClean="0"/>
+              <a:t>:,: Ka </a:t>
+            </a:r>
+            <a:r>
+              <a:rPr lang="fr-FR" sz="6600" b="1" dirty="0" err="1" smtClean="0"/>
+              <a:t>mihobia</a:t>
+            </a:r>
+            <a:r>
+              <a:rPr lang="fr-FR" sz="6600" b="1" dirty="0" smtClean="0"/>
+              <a:t>! :,:</a:t>
+            </a:r>
+          </a:p>
+          <a:p>
+            <a:pPr algn="ctr"/>
+            <a:r>
+              <a:rPr lang="fr-FR" sz="6600" b="1" dirty="0" err="1" smtClean="0"/>
+              <a:t>Izy</a:t>
+            </a:r>
+            <a:r>
+              <a:rPr lang="fr-FR" sz="6600" b="1" dirty="0" smtClean="0"/>
               <a:t> </a:t>
             </a:r>
             <a:r>
-              <a:rPr lang="fr-FR" sz="6000" b="1" i="1" dirty="0" err="1">
-                <a:effectLst>
-                  <a:outerShdw blurRad="38100" dist="38100" dir="2700000" algn="tl">
-                    <a:srgbClr val="000000">
-                      <a:alpha val="43137"/>
-                    </a:srgbClr>
-                  </a:outerShdw>
-                </a:effectLst>
-              </a:rPr>
-              <a:t>mahery</a:t>
-            </a:r>
-            <a:r>
-              <a:rPr lang="fr-FR" sz="6000" b="1" i="1" dirty="0">
-                <a:effectLst>
-                  <a:outerShdw blurRad="38100" dist="38100" dir="2700000" algn="tl">
-                    <a:srgbClr val="000000">
-                      <a:alpha val="43137"/>
-                    </a:srgbClr>
-                  </a:outerShdw>
-                </a:effectLst>
-              </a:rPr>
-              <a:t> no </a:t>
-            </a:r>
-            <a:r>
-              <a:rPr lang="fr-FR" sz="6000" b="1" i="1" dirty="0" err="1">
-                <a:effectLst>
-                  <a:outerShdw blurRad="38100" dist="38100" dir="2700000" algn="tl">
-                    <a:srgbClr val="000000">
-                      <a:alpha val="43137"/>
-                    </a:srgbClr>
-                  </a:outerShdw>
-                </a:effectLst>
-              </a:rPr>
-              <a:t>hendry</a:t>
-            </a:r>
-            <a:r>
-              <a:rPr lang="fr-FR" sz="6000" b="1" i="1" dirty="0">
-                <a:effectLst>
-                  <a:outerShdw blurRad="38100" dist="38100" dir="2700000" algn="tl">
-                    <a:srgbClr val="000000">
-                      <a:alpha val="43137"/>
-                    </a:srgbClr>
-                  </a:outerShdw>
-                </a:effectLst>
-              </a:rPr>
+              <a:rPr lang="fr-FR" sz="6600" b="1" dirty="0" err="1" smtClean="0"/>
+              <a:t>mamory</a:t>
+            </a:r>
+            <a:r>
+              <a:rPr lang="fr-FR" sz="6600" b="1" dirty="0" smtClean="0"/>
+              <a:t> </a:t>
+            </a:r>
+            <a:r>
+              <a:rPr lang="fr-FR" sz="6600" b="1" dirty="0" err="1" smtClean="0"/>
+              <a:t>sy</a:t>
+            </a:r>
+            <a:r>
+              <a:rPr lang="fr-FR" sz="6600" b="1" dirty="0" smtClean="0"/>
+              <a:t> </a:t>
+            </a:r>
+            <a:r>
+              <a:rPr lang="fr-FR" sz="6600" b="1" dirty="0" err="1" smtClean="0"/>
+              <a:t>maka</a:t>
+            </a:r>
+            <a:r>
+              <a:rPr lang="fr-FR" sz="6600" b="1" dirty="0" smtClean="0"/>
               <a:t>,</a:t>
             </a:r>
           </a:p>
           <a:p>
             <a:pPr algn="ctr"/>
             <a:r>
-              <a:rPr lang="fr-FR" sz="6000" b="1" i="1" dirty="0">
-                <a:effectLst>
-                  <a:outerShdw blurRad="38100" dist="38100" dir="2700000" algn="tl">
-                    <a:srgbClr val="000000">
-                      <a:alpha val="43137"/>
-                    </a:srgbClr>
-                  </a:outerShdw>
-                </a:effectLst>
-              </a:rPr>
-              <a:t>:,: </a:t>
-            </a:r>
-            <a:r>
-              <a:rPr lang="fr-FR" sz="6000" b="1" i="1" dirty="0" err="1">
-                <a:effectLst>
-                  <a:outerShdw blurRad="38100" dist="38100" dir="2700000" algn="tl">
-                    <a:srgbClr val="000000">
-                      <a:alpha val="43137"/>
-                    </a:srgbClr>
-                  </a:outerShdw>
-                </a:effectLst>
-              </a:rPr>
-              <a:t>Zanak'Andriamanitsika</a:t>
-            </a:r>
-            <a:r>
-              <a:rPr lang="fr-FR" sz="6000" b="1" i="1" dirty="0">
-                <a:effectLst>
-                  <a:outerShdw blurRad="38100" dist="38100" dir="2700000" algn="tl">
-                    <a:srgbClr val="000000">
-                      <a:alpha val="43137"/>
-                    </a:srgbClr>
-                  </a:outerShdw>
-                </a:effectLst>
-              </a:rPr>
-              <a:t>,</a:t>
-            </a:r>
-          </a:p>
-          <a:p>
-            <a:pPr algn="ctr"/>
-            <a:r>
-              <a:rPr lang="fr-FR" sz="6000" b="1" i="1" dirty="0" err="1">
-                <a:effectLst>
-                  <a:outerShdw blurRad="38100" dist="38100" dir="2700000" algn="tl">
-                    <a:srgbClr val="000000">
-                      <a:alpha val="43137"/>
-                    </a:srgbClr>
-                  </a:outerShdw>
-                </a:effectLst>
-              </a:rPr>
-              <a:t>Koa</a:t>
-            </a:r>
-            <a:r>
-              <a:rPr lang="fr-FR" sz="6000" b="1" i="1" dirty="0">
-                <a:effectLst>
-                  <a:outerShdw blurRad="38100" dist="38100" dir="2700000" algn="tl">
-                    <a:srgbClr val="000000">
-                      <a:alpha val="43137"/>
-                    </a:srgbClr>
-                  </a:outerShdw>
-                </a:effectLst>
-              </a:rPr>
-              <a:t> </a:t>
-            </a:r>
-            <a:r>
-              <a:rPr lang="fr-FR" sz="6000" b="1" i="1" dirty="0" err="1">
-                <a:effectLst>
-                  <a:outerShdw blurRad="38100" dist="38100" dir="2700000" algn="tl">
-                    <a:srgbClr val="000000">
-                      <a:alpha val="43137"/>
-                    </a:srgbClr>
-                  </a:outerShdw>
-                </a:effectLst>
-              </a:rPr>
-              <a:t>hobio</a:t>
-            </a:r>
-            <a:r>
-              <a:rPr lang="fr-FR" sz="6000" b="1" i="1" dirty="0">
-                <a:effectLst>
-                  <a:outerShdw blurRad="38100" dist="38100" dir="2700000" algn="tl">
-                    <a:srgbClr val="000000">
-                      <a:alpha val="43137"/>
-                    </a:srgbClr>
-                  </a:outerShdw>
-                </a:effectLst>
-              </a:rPr>
-              <a:t> </a:t>
-            </a:r>
-            <a:r>
-              <a:rPr lang="fr-FR" sz="6000" b="1" i="1" dirty="0" err="1">
-                <a:effectLst>
-                  <a:outerShdw blurRad="38100" dist="38100" dir="2700000" algn="tl">
-                    <a:srgbClr val="000000">
-                      <a:alpha val="43137"/>
-                    </a:srgbClr>
-                  </a:outerShdw>
-                </a:effectLst>
-              </a:rPr>
-              <a:t>sy</a:t>
-            </a:r>
-            <a:r>
-              <a:rPr lang="fr-FR" sz="6000" b="1" i="1" dirty="0">
-                <a:effectLst>
-                  <a:outerShdw blurRad="38100" dist="38100" dir="2700000" algn="tl">
-                    <a:srgbClr val="000000">
-                      <a:alpha val="43137"/>
-                    </a:srgbClr>
-                  </a:outerShdw>
-                </a:effectLst>
-              </a:rPr>
-              <a:t> </a:t>
-            </a:r>
-            <a:r>
-              <a:rPr lang="fr-FR" sz="6000" b="1" i="1" dirty="0" err="1">
-                <a:effectLst>
-                  <a:outerShdw blurRad="38100" dist="38100" dir="2700000" algn="tl">
-                    <a:srgbClr val="000000">
-                      <a:alpha val="43137"/>
-                    </a:srgbClr>
-                  </a:outerShdw>
-                </a:effectLst>
-              </a:rPr>
-              <a:t>ifalio</a:t>
-            </a:r>
-            <a:r>
-              <a:rPr lang="fr-FR" sz="6000" b="1" i="1" dirty="0">
-                <a:effectLst>
-                  <a:outerShdw blurRad="38100" dist="38100" dir="2700000" algn="tl">
-                    <a:srgbClr val="000000">
-                      <a:alpha val="43137"/>
-                    </a:srgbClr>
-                  </a:outerShdw>
-                </a:effectLst>
-              </a:rPr>
-              <a:t>. :,:</a:t>
+              <a:rPr lang="fr-FR" sz="6600" b="1" dirty="0" err="1" smtClean="0"/>
+              <a:t>Avia</a:t>
+            </a:r>
+            <a:r>
+              <a:rPr lang="fr-FR" sz="6600" b="1" dirty="0" smtClean="0"/>
+              <a:t>, </a:t>
+            </a:r>
+            <a:r>
+              <a:rPr lang="fr-FR" sz="6600" b="1" dirty="0" err="1" smtClean="0"/>
+              <a:t>mihobia</a:t>
+            </a:r>
+            <a:r>
+              <a:rPr lang="fr-FR" sz="6600" b="1" dirty="0" smtClean="0"/>
+              <a:t>.</a:t>
             </a:r>
           </a:p>
         </p:txBody>
       </p:sp>
     </p:spTree>
-    <p:extLst>
-      <p:ext uri="{BB962C8B-B14F-4D97-AF65-F5344CB8AC3E}">
-        <p14:creationId xmlns:p14="http://schemas.microsoft.com/office/powerpoint/2010/main" val="2262297508"/>
-      </p:ext>
-    </p:extLst>
   </p:cSld>
   <p:clrMapOvr>
     <a:masterClrMapping/>
@@ -5046,90 +4921,104 @@
           <a:p>
             <a:pPr algn="ctr"/>
             <a:r>
-              <a:rPr lang="pl-PL" sz="6600" b="1" dirty="0" smtClean="0">
-                <a:solidFill>
-                  <a:srgbClr val="FF0000"/>
-                </a:solidFill>
-              </a:rPr>
-              <a:t>2. </a:t>
-            </a:r>
-            <a:r>
-              <a:rPr lang="pl-PL" sz="6600" b="1" dirty="0" smtClean="0"/>
-              <a:t>Izy no Jeso Mpanjaka,</a:t>
+              <a:rPr lang="fr-FR" sz="6600" b="1" dirty="0" err="1"/>
+              <a:t>Omeo</a:t>
+            </a:r>
+            <a:r>
+              <a:rPr lang="fr-FR" sz="6600" b="1" dirty="0"/>
+              <a:t> </a:t>
+            </a:r>
+            <a:r>
+              <a:rPr lang="fr-FR" sz="6600" b="1" dirty="0" err="1"/>
+              <a:t>voninahitra</a:t>
+            </a:r>
+            <a:r>
+              <a:rPr lang="fr-FR" sz="6600" b="1" dirty="0"/>
+              <a:t>,</a:t>
             </a:r>
           </a:p>
           <a:p>
             <a:pPr algn="ctr"/>
             <a:r>
-              <a:rPr lang="fr-FR" sz="6600" b="1" dirty="0" smtClean="0"/>
-              <a:t>:,: Ka </a:t>
-            </a:r>
-            <a:r>
-              <a:rPr lang="fr-FR" sz="6600" b="1" dirty="0" err="1" smtClean="0"/>
-              <a:t>mihobia</a:t>
-            </a:r>
-            <a:r>
-              <a:rPr lang="fr-FR" sz="6600" b="1" dirty="0" smtClean="0"/>
-              <a:t>! :,:</a:t>
+              <a:rPr lang="fr-FR" sz="6600" b="1" dirty="0"/>
+              <a:t>Ka </a:t>
+            </a:r>
+            <a:r>
+              <a:rPr lang="fr-FR" sz="6600" b="1" dirty="0" err="1"/>
+              <a:t>mitehafa</a:t>
+            </a:r>
+            <a:r>
+              <a:rPr lang="fr-FR" sz="6600" b="1" dirty="0"/>
+              <a:t> </a:t>
+            </a:r>
+            <a:r>
+              <a:rPr lang="fr-FR" sz="6600" b="1" dirty="0" err="1"/>
+              <a:t>tanana</a:t>
+            </a:r>
+            <a:r>
+              <a:rPr lang="fr-FR" sz="6600" b="1" dirty="0"/>
+              <a:t>;</a:t>
             </a:r>
           </a:p>
           <a:p>
             <a:pPr algn="ctr"/>
             <a:r>
-              <a:rPr lang="fr-FR" sz="6600" b="1" dirty="0" err="1" smtClean="0"/>
-              <a:t>Izy</a:t>
-            </a:r>
-            <a:r>
-              <a:rPr lang="fr-FR" sz="6600" b="1" dirty="0" smtClean="0"/>
+              <a:rPr lang="fr-FR" sz="6600" b="1" dirty="0" err="1"/>
+              <a:t>Hobio</a:t>
+            </a:r>
+            <a:r>
+              <a:rPr lang="fr-FR" sz="6600" b="1" dirty="0"/>
               <a:t> </a:t>
             </a:r>
             <a:r>
-              <a:rPr lang="fr-FR" sz="6600" b="1" dirty="0" err="1" smtClean="0"/>
-              <a:t>mamory</a:t>
-            </a:r>
-            <a:r>
-              <a:rPr lang="fr-FR" sz="6600" b="1" dirty="0" smtClean="0"/>
+              <a:rPr lang="fr-FR" sz="6600" b="1" dirty="0" err="1"/>
+              <a:t>ry</a:t>
+            </a:r>
+            <a:r>
+              <a:rPr lang="fr-FR" sz="6600" b="1" dirty="0"/>
               <a:t> </a:t>
             </a:r>
             <a:r>
-              <a:rPr lang="fr-FR" sz="6600" b="1" dirty="0" err="1" smtClean="0"/>
-              <a:t>sy</a:t>
-            </a:r>
-            <a:r>
-              <a:rPr lang="fr-FR" sz="6600" b="1" dirty="0" smtClean="0"/>
+              <a:rPr lang="fr-FR" sz="6600" b="1" dirty="0" err="1"/>
+              <a:t>tendrombohitra</a:t>
+            </a:r>
+            <a:endParaRPr lang="fr-FR" sz="6600" b="1" dirty="0"/>
+          </a:p>
+          <a:p>
+            <a:pPr algn="ctr"/>
+            <a:r>
+              <a:rPr lang="fr-FR" sz="6600" b="1" dirty="0" err="1"/>
+              <a:t>Sy</a:t>
+            </a:r>
+            <a:r>
+              <a:rPr lang="fr-FR" sz="6600" b="1" dirty="0"/>
               <a:t> </a:t>
             </a:r>
             <a:r>
-              <a:rPr lang="fr-FR" sz="6600" b="1" dirty="0" err="1" smtClean="0"/>
-              <a:t>maka</a:t>
-            </a:r>
-            <a:r>
-              <a:rPr lang="fr-FR" sz="6600" b="1" dirty="0" smtClean="0"/>
-              <a:t>,</a:t>
-            </a:r>
-          </a:p>
-          <a:p>
-            <a:pPr algn="ctr"/>
-            <a:r>
-              <a:rPr lang="fr-FR" sz="6600" b="1" dirty="0" err="1" smtClean="0"/>
-              <a:t>Avia</a:t>
-            </a:r>
-            <a:r>
-              <a:rPr lang="fr-FR" sz="6600" b="1" dirty="0" smtClean="0"/>
-              <a:t>, </a:t>
-            </a:r>
-            <a:r>
-              <a:rPr lang="fr-FR" sz="6600" b="1" dirty="0" err="1" smtClean="0"/>
-              <a:t>mihobia</a:t>
-            </a:r>
-            <a:r>
-              <a:rPr lang="fr-FR" sz="6600" b="1" dirty="0" smtClean="0"/>
-              <a:t>.</a:t>
+              <a:rPr lang="fr-FR" sz="6600" b="1" dirty="0" err="1"/>
+              <a:t>lohasaha</a:t>
+            </a:r>
+            <a:r>
+              <a:rPr lang="fr-FR" sz="6600" b="1" dirty="0"/>
+              <a:t> </a:t>
+            </a:r>
+            <a:r>
+              <a:rPr lang="fr-FR" sz="6600" b="1" dirty="0" err="1"/>
+              <a:t>mavana</a:t>
+            </a:r>
+            <a:r>
+              <a:rPr lang="fr-FR" sz="6600" b="1" dirty="0"/>
+              <a:t>!</a:t>
             </a:r>
           </a:p>
         </p:txBody>
       </p:sp>
     </p:spTree>
+    <p:extLst>
+      <p:ext uri="{BB962C8B-B14F-4D97-AF65-F5344CB8AC3E}">
+        <p14:creationId xmlns:p14="http://schemas.microsoft.com/office/powerpoint/2010/main" val="1563037414"/>
+      </p:ext>
+    </p:extLst>
   </p:cSld>
   <p:clrMapOvr>
     <a:masterClrMapping/>
@@ -5165,8 +5054,8 @@
         </p:nvSpPr>
         <p:spPr>
           <a:xfrm>
-            <a:off x="0" y="360982"/>
-            <a:ext cx="9144000" cy="4154984"/>
+            <a:off x="0" y="627534"/>
+            <a:ext cx="9144000" cy="3785652"/>
           </a:xfrm>
           <a:prstGeom prst="rect">
             <a:avLst/>
@@ -5180,94 +5069,229 @@
           <a:p>
             <a:pPr algn="ctr"/>
             <a:r>
-              <a:rPr lang="fr-FR" sz="6600" b="1" dirty="0" err="1"/>
-              <a:t>Omeo</a:t>
-            </a:r>
-            <a:r>
-              <a:rPr lang="fr-FR" sz="6600" b="1" dirty="0"/>
+              <a:rPr lang="it-IT" sz="6000" b="1" i="1" dirty="0">
+                <a:effectLst>
+                  <a:outerShdw blurRad="38100" dist="38100" dir="2700000" algn="tl">
+                    <a:srgbClr val="000000">
+                      <a:alpha val="43137"/>
+                    </a:srgbClr>
+                  </a:outerShdw>
+                </a:effectLst>
+              </a:rPr>
+              <a:t>Io no Mpanjaka voatendry,</a:t>
+            </a:r>
+          </a:p>
+          <a:p>
+            <a:pPr algn="ctr"/>
+            <a:r>
+              <a:rPr lang="fr-FR" sz="6000" b="1" i="1" dirty="0" err="1">
+                <a:effectLst>
+                  <a:outerShdw blurRad="38100" dist="38100" dir="2700000" algn="tl">
+                    <a:srgbClr val="000000">
+                      <a:alpha val="43137"/>
+                    </a:srgbClr>
+                  </a:outerShdw>
+                </a:effectLst>
+              </a:rPr>
+              <a:t>Sady</a:t>
+            </a:r>
+            <a:r>
+              <a:rPr lang="fr-FR" sz="6000" b="1" i="1" dirty="0">
+                <a:effectLst>
+                  <a:outerShdw blurRad="38100" dist="38100" dir="2700000" algn="tl">
+                    <a:srgbClr val="000000">
+                      <a:alpha val="43137"/>
+                    </a:srgbClr>
+                  </a:outerShdw>
+                </a:effectLst>
+              </a:rPr>
               <a:t> </a:t>
             </a:r>
             <a:r>
-              <a:rPr lang="fr-FR" sz="6600" b="1" dirty="0" err="1"/>
-              <a:t>voninahitra</a:t>
-            </a:r>
-            <a:r>
-              <a:rPr lang="fr-FR" sz="6600" b="1" dirty="0"/>
+              <a:rPr lang="fr-FR" sz="6000" b="1" i="1" dirty="0" err="1">
+                <a:effectLst>
+                  <a:outerShdw blurRad="38100" dist="38100" dir="2700000" algn="tl">
+                    <a:srgbClr val="000000">
+                      <a:alpha val="43137"/>
+                    </a:srgbClr>
+                  </a:outerShdw>
+                </a:effectLst>
+              </a:rPr>
+              <a:t>mahery</a:t>
+            </a:r>
+            <a:r>
+              <a:rPr lang="fr-FR" sz="6000" b="1" i="1" dirty="0">
+                <a:effectLst>
+                  <a:outerShdw blurRad="38100" dist="38100" dir="2700000" algn="tl">
+                    <a:srgbClr val="000000">
+                      <a:alpha val="43137"/>
+                    </a:srgbClr>
+                  </a:outerShdw>
+                </a:effectLst>
+              </a:rPr>
+              <a:t> no </a:t>
+            </a:r>
+            <a:r>
+              <a:rPr lang="fr-FR" sz="6000" b="1" i="1" dirty="0" err="1">
+                <a:effectLst>
+                  <a:outerShdw blurRad="38100" dist="38100" dir="2700000" algn="tl">
+                    <a:srgbClr val="000000">
+                      <a:alpha val="43137"/>
+                    </a:srgbClr>
+                  </a:outerShdw>
+                </a:effectLst>
+              </a:rPr>
+              <a:t>hendry</a:t>
+            </a:r>
+            <a:r>
+              <a:rPr lang="fr-FR" sz="6000" b="1" i="1" dirty="0">
+                <a:effectLst>
+                  <a:outerShdw blurRad="38100" dist="38100" dir="2700000" algn="tl">
+                    <a:srgbClr val="000000">
+                      <a:alpha val="43137"/>
+                    </a:srgbClr>
+                  </a:outerShdw>
+                </a:effectLst>
+              </a:rPr>
               <a:t>,</a:t>
             </a:r>
           </a:p>
           <a:p>
             <a:pPr algn="ctr"/>
             <a:r>
-              <a:rPr lang="fr-FR" sz="6600" b="1" dirty="0"/>
-              <a:t>Ka </a:t>
-            </a:r>
-            <a:r>
-              <a:rPr lang="fr-FR" sz="6600" b="1" dirty="0" err="1"/>
-              <a:t>mitehafa</a:t>
-            </a:r>
-            <a:r>
-              <a:rPr lang="fr-FR" sz="6600" b="1" dirty="0"/>
+              <a:rPr lang="fr-FR" sz="6000" b="1" i="1" dirty="0">
+                <a:effectLst>
+                  <a:outerShdw blurRad="38100" dist="38100" dir="2700000" algn="tl">
+                    <a:srgbClr val="000000">
+                      <a:alpha val="43137"/>
+                    </a:srgbClr>
+                  </a:outerShdw>
+                </a:effectLst>
+              </a:rPr>
+              <a:t>:,: </a:t>
+            </a:r>
+            <a:r>
+              <a:rPr lang="fr-FR" sz="6000" b="1" i="1" dirty="0" err="1">
+                <a:effectLst>
+                  <a:outerShdw blurRad="38100" dist="38100" dir="2700000" algn="tl">
+                    <a:srgbClr val="000000">
+                      <a:alpha val="43137"/>
+                    </a:srgbClr>
+                  </a:outerShdw>
+                </a:effectLst>
+              </a:rPr>
+              <a:t>Zanak'Andriamanitsika</a:t>
+            </a:r>
+            <a:r>
+              <a:rPr lang="fr-FR" sz="6000" b="1" i="1" dirty="0">
+                <a:effectLst>
+                  <a:outerShdw blurRad="38100" dist="38100" dir="2700000" algn="tl">
+                    <a:srgbClr val="000000">
+                      <a:alpha val="43137"/>
+                    </a:srgbClr>
+                  </a:outerShdw>
+                </a:effectLst>
+              </a:rPr>
+              <a:t>,</a:t>
+            </a:r>
+          </a:p>
+          <a:p>
+            <a:pPr algn="ctr"/>
+            <a:r>
+              <a:rPr lang="fr-FR" sz="6000" b="1" i="1" dirty="0" err="1">
+                <a:effectLst>
+                  <a:outerShdw blurRad="38100" dist="38100" dir="2700000" algn="tl">
+                    <a:srgbClr val="000000">
+                      <a:alpha val="43137"/>
+                    </a:srgbClr>
+                  </a:outerShdw>
+                </a:effectLst>
+              </a:rPr>
+              <a:t>Koa</a:t>
+            </a:r>
+            <a:r>
+              <a:rPr lang="fr-FR" sz="6000" b="1" i="1" dirty="0">
+                <a:effectLst>
+                  <a:outerShdw blurRad="38100" dist="38100" dir="2700000" algn="tl">
+                    <a:srgbClr val="000000">
+                      <a:alpha val="43137"/>
+                    </a:srgbClr>
+                  </a:outerShdw>
+                </a:effectLst>
+              </a:rPr>
               <a:t> </a:t>
             </a:r>
             <a:r>
-              <a:rPr lang="fr-FR" sz="6600" b="1" dirty="0" err="1"/>
-              <a:t>tanana</a:t>
-            </a:r>
-            <a:r>
-              <a:rPr lang="fr-FR" sz="6600" b="1" dirty="0"/>
-              <a:t>;</a:t>
-            </a:r>
-          </a:p>
-          <a:p>
-            <a:pPr algn="ctr"/>
-            <a:r>
-              <a:rPr lang="fr-FR" sz="6600" b="1" dirty="0" err="1"/>
-              <a:t>Hobio</a:t>
-            </a:r>
-            <a:r>
-              <a:rPr lang="fr-FR" sz="6600" b="1" dirty="0"/>
+              <a:rPr lang="fr-FR" sz="6000" b="1" i="1" dirty="0" err="1">
+                <a:effectLst>
+                  <a:outerShdw blurRad="38100" dist="38100" dir="2700000" algn="tl">
+                    <a:srgbClr val="000000">
+                      <a:alpha val="43137"/>
+                    </a:srgbClr>
+                  </a:outerShdw>
+                </a:effectLst>
+              </a:rPr>
+              <a:t>hobio</a:t>
+            </a:r>
+            <a:r>
+              <a:rPr lang="fr-FR" sz="6000" b="1" i="1" dirty="0">
+                <a:effectLst>
+                  <a:outerShdw blurRad="38100" dist="38100" dir="2700000" algn="tl">
+                    <a:srgbClr val="000000">
+                      <a:alpha val="43137"/>
+                    </a:srgbClr>
+                  </a:outerShdw>
+                </a:effectLst>
+              </a:rPr>
               <a:t> </a:t>
             </a:r>
             <a:r>
-              <a:rPr lang="fr-FR" sz="6600" b="1" dirty="0" err="1"/>
-              <a:t>ry</a:t>
-            </a:r>
-            <a:r>
-              <a:rPr lang="fr-FR" sz="6600" b="1" dirty="0"/>
+              <a:rPr lang="fr-FR" sz="6000" b="1" i="1" dirty="0" err="1">
+                <a:effectLst>
+                  <a:outerShdw blurRad="38100" dist="38100" dir="2700000" algn="tl">
+                    <a:srgbClr val="000000">
+                      <a:alpha val="43137"/>
+                    </a:srgbClr>
+                  </a:outerShdw>
+                </a:effectLst>
+              </a:rPr>
+              <a:t>sy</a:t>
+            </a:r>
+            <a:r>
+              <a:rPr lang="fr-FR" sz="6000" b="1" i="1" dirty="0">
+                <a:effectLst>
+                  <a:outerShdw blurRad="38100" dist="38100" dir="2700000" algn="tl">
+                    <a:srgbClr val="000000">
+                      <a:alpha val="43137"/>
+                    </a:srgbClr>
+                  </a:outerShdw>
+                </a:effectLst>
+              </a:rPr>
               <a:t> </a:t>
             </a:r>
             <a:r>
-              <a:rPr lang="fr-FR" sz="6600" b="1" dirty="0" err="1"/>
-              <a:t>tendrombohitra</a:t>
-            </a:r>
-            <a:endParaRPr lang="fr-FR" sz="6600" b="1" dirty="0"/>
-          </a:p>
-          <a:p>
-            <a:pPr algn="ctr"/>
-            <a:r>
-              <a:rPr lang="fr-FR" sz="6600" b="1" dirty="0" err="1"/>
-              <a:t>Sy</a:t>
-            </a:r>
-            <a:r>
-              <a:rPr lang="fr-FR" sz="6600" b="1" dirty="0"/>
-              <a:t> </a:t>
-            </a:r>
-            <a:r>
-              <a:rPr lang="fr-FR" sz="6600" b="1" dirty="0" err="1"/>
-              <a:t>lohasaha</a:t>
-            </a:r>
-            <a:r>
-              <a:rPr lang="fr-FR" sz="6600" b="1" dirty="0"/>
-              <a:t> </a:t>
-            </a:r>
-            <a:r>
-              <a:rPr lang="fr-FR" sz="6600" b="1" dirty="0" err="1"/>
-              <a:t>mavana</a:t>
-            </a:r>
-            <a:r>
-              <a:rPr lang="fr-FR" sz="6600" b="1" dirty="0"/>
-              <a:t>!</a:t>
+              <a:rPr lang="fr-FR" sz="6000" b="1" i="1" dirty="0" err="1">
+                <a:effectLst>
+                  <a:outerShdw blurRad="38100" dist="38100" dir="2700000" algn="tl">
+                    <a:srgbClr val="000000">
+                      <a:alpha val="43137"/>
+                    </a:srgbClr>
+                  </a:outerShdw>
+                </a:effectLst>
+              </a:rPr>
+              <a:t>ifalio</a:t>
+            </a:r>
+            <a:r>
+              <a:rPr lang="fr-FR" sz="6000" b="1" i="1" dirty="0">
+                <a:effectLst>
+                  <a:outerShdw blurRad="38100" dist="38100" dir="2700000" algn="tl">
+                    <a:srgbClr val="000000">
+                      <a:alpha val="43137"/>
+                    </a:srgbClr>
+                  </a:outerShdw>
+                </a:effectLst>
+              </a:rPr>
+              <a:t>. :,:</a:t>
             </a:r>
           </a:p>
         </p:txBody>
@@ -5275,7 +5299,7 @@
     </p:spTree>
     <p:extLst>
       <p:ext uri="{BB962C8B-B14F-4D97-AF65-F5344CB8AC3E}">
-        <p14:creationId xmlns:p14="http://schemas.microsoft.com/office/powerpoint/2010/main" val="1563037414"/>
+        <p14:creationId xmlns:p14="http://schemas.microsoft.com/office/powerpoint/2010/main" val="2662023135"/>
       </p:ext>
     </p:extLst>
   </p:cSld>
@@ -5313,8 +5337,8 @@
         </p:nvSpPr>
         <p:spPr>
           <a:xfrm>
-            <a:off x="0" y="627534"/>
-            <a:ext cx="9144000" cy="3785652"/>
+            <a:off x="0" y="288974"/>
+            <a:ext cx="9144000" cy="4154984"/>
           </a:xfrm>
           <a:prstGeom prst="rect">
             <a:avLst/>
@@ -5328,239 +5352,98 @@
           <a:p>
             <a:pPr algn="ctr"/>
             <a:r>
-              <a:rPr lang="it-IT" sz="6000" b="1" i="1" dirty="0">
-                <a:effectLst>
-                  <a:outerShdw blurRad="38100" dist="38100" dir="2700000" algn="tl">
-                    <a:srgbClr val="000000">
-                      <a:alpha val="43137"/>
-                    </a:srgbClr>
-                  </a:outerShdw>
-                </a:effectLst>
-              </a:rPr>
-              <a:t>Io no Mpanjaka voatendry,</a:t>
+              <a:rPr lang="es-ES" sz="6600" b="1" dirty="0" smtClean="0">
+                <a:solidFill>
+                  <a:srgbClr val="FF0000"/>
+                </a:solidFill>
+              </a:rPr>
+              <a:t>3. </a:t>
+            </a:r>
+            <a:r>
+              <a:rPr lang="es-ES" sz="6600" b="1" dirty="0" err="1" smtClean="0"/>
+              <a:t>Izy</a:t>
+            </a:r>
+            <a:r>
+              <a:rPr lang="es-ES" sz="6600" b="1" dirty="0" smtClean="0"/>
+              <a:t> no </a:t>
+            </a:r>
+            <a:r>
+              <a:rPr lang="es-ES" sz="6600" b="1" dirty="0" err="1" smtClean="0"/>
+              <a:t>Tompo</a:t>
+            </a:r>
+            <a:r>
+              <a:rPr lang="es-ES" sz="6600" b="1" dirty="0" smtClean="0"/>
+              <a:t> </a:t>
+            </a:r>
+            <a:r>
+              <a:rPr lang="es-ES" sz="6600" b="1" dirty="0" err="1" smtClean="0"/>
+              <a:t>nahary</a:t>
+            </a:r>
+            <a:r>
+              <a:rPr lang="es-ES" sz="6600" b="1" dirty="0" smtClean="0"/>
+              <a:t>,</a:t>
             </a:r>
           </a:p>
           <a:p>
             <a:pPr algn="ctr"/>
             <a:r>
-              <a:rPr lang="fr-FR" sz="6000" b="1" i="1" dirty="0" err="1">
-                <a:effectLst>
-                  <a:outerShdw blurRad="38100" dist="38100" dir="2700000" algn="tl">
-                    <a:srgbClr val="000000">
-                      <a:alpha val="43137"/>
-                    </a:srgbClr>
-                  </a:outerShdw>
-                </a:effectLst>
-              </a:rPr>
-              <a:t>Sady</a:t>
-            </a:r>
-            <a:r>
-              <a:rPr lang="fr-FR" sz="6000" b="1" i="1" dirty="0">
-                <a:effectLst>
-                  <a:outerShdw blurRad="38100" dist="38100" dir="2700000" algn="tl">
-                    <a:srgbClr val="000000">
-                      <a:alpha val="43137"/>
-                    </a:srgbClr>
-                  </a:outerShdw>
-                </a:effectLst>
-              </a:rPr>
+              <a:rPr lang="fr-FR" sz="6600" b="1" dirty="0" smtClean="0"/>
+              <a:t>:,: Ka </a:t>
+            </a:r>
+            <a:r>
+              <a:rPr lang="fr-FR" sz="6600" b="1" dirty="0" err="1" smtClean="0"/>
+              <a:t>maneke</a:t>
+            </a:r>
+            <a:r>
+              <a:rPr lang="fr-FR" sz="6600" b="1" dirty="0" smtClean="0"/>
+              <a:t> :,:</a:t>
+            </a:r>
+          </a:p>
+          <a:p>
+            <a:pPr algn="ctr"/>
+            <a:r>
+              <a:rPr lang="fr-FR" sz="6600" b="1" dirty="0" err="1" smtClean="0"/>
+              <a:t>Zanaky</a:t>
+            </a:r>
+            <a:r>
+              <a:rPr lang="fr-FR" sz="6600" b="1" dirty="0" smtClean="0"/>
               <a:t> </a:t>
             </a:r>
             <a:r>
-              <a:rPr lang="fr-FR" sz="6000" b="1" i="1" dirty="0" err="1">
-                <a:effectLst>
-                  <a:outerShdw blurRad="38100" dist="38100" dir="2700000" algn="tl">
-                    <a:srgbClr val="000000">
-                      <a:alpha val="43137"/>
-                    </a:srgbClr>
-                  </a:outerShdw>
-                </a:effectLst>
-              </a:rPr>
-              <a:t>mahery</a:t>
-            </a:r>
-            <a:r>
-              <a:rPr lang="fr-FR" sz="6000" b="1" i="1" dirty="0">
-                <a:effectLst>
-                  <a:outerShdw blurRad="38100" dist="38100" dir="2700000" algn="tl">
-                    <a:srgbClr val="000000">
-                      <a:alpha val="43137"/>
-                    </a:srgbClr>
-                  </a:outerShdw>
-                </a:effectLst>
-              </a:rPr>
-              <a:t> no </a:t>
-            </a:r>
-            <a:r>
-              <a:rPr lang="fr-FR" sz="6000" b="1" i="1" dirty="0" err="1">
-                <a:effectLst>
-                  <a:outerShdw blurRad="38100" dist="38100" dir="2700000" algn="tl">
-                    <a:srgbClr val="000000">
-                      <a:alpha val="43137"/>
-                    </a:srgbClr>
-                  </a:outerShdw>
-                </a:effectLst>
-              </a:rPr>
-              <a:t>hendry</a:t>
-            </a:r>
-            <a:r>
-              <a:rPr lang="fr-FR" sz="6000" b="1" i="1" dirty="0">
-                <a:effectLst>
-                  <a:outerShdw blurRad="38100" dist="38100" dir="2700000" algn="tl">
-                    <a:srgbClr val="000000">
-                      <a:alpha val="43137"/>
-                    </a:srgbClr>
-                  </a:outerShdw>
-                </a:effectLst>
-              </a:rPr>
+              <a:rPr lang="fr-FR" sz="6600" b="1" dirty="0" err="1" smtClean="0"/>
+              <a:t>ny</a:t>
+            </a:r>
+            <a:r>
+              <a:rPr lang="fr-FR" sz="6600" b="1" dirty="0" smtClean="0"/>
+              <a:t> </a:t>
+            </a:r>
+            <a:r>
+              <a:rPr lang="fr-FR" sz="6600" b="1" dirty="0" err="1" smtClean="0"/>
+              <a:t>Zanahary</a:t>
+            </a:r>
+            <a:r>
+              <a:rPr lang="fr-FR" sz="6600" b="1" dirty="0" smtClean="0"/>
               <a:t>,</a:t>
             </a:r>
           </a:p>
           <a:p>
             <a:pPr algn="ctr"/>
             <a:r>
-              <a:rPr lang="fr-FR" sz="6000" b="1" i="1" dirty="0">
-                <a:effectLst>
-                  <a:outerShdw blurRad="38100" dist="38100" dir="2700000" algn="tl">
-                    <a:srgbClr val="000000">
-                      <a:alpha val="43137"/>
-                    </a:srgbClr>
-                  </a:outerShdw>
-                </a:effectLst>
-              </a:rPr>
-              <a:t>:,: </a:t>
-            </a:r>
-            <a:r>
-              <a:rPr lang="fr-FR" sz="6000" b="1" i="1" dirty="0" err="1">
-                <a:effectLst>
-                  <a:outerShdw blurRad="38100" dist="38100" dir="2700000" algn="tl">
-                    <a:srgbClr val="000000">
-                      <a:alpha val="43137"/>
-                    </a:srgbClr>
-                  </a:outerShdw>
-                </a:effectLst>
-              </a:rPr>
-              <a:t>Zanak'Andriamanitsika</a:t>
-            </a:r>
-            <a:r>
-              <a:rPr lang="fr-FR" sz="6000" b="1" i="1" dirty="0">
-                <a:effectLst>
-                  <a:outerShdw blurRad="38100" dist="38100" dir="2700000" algn="tl">
-                    <a:srgbClr val="000000">
-                      <a:alpha val="43137"/>
-                    </a:srgbClr>
-                  </a:outerShdw>
-                </a:effectLst>
-              </a:rPr>
-              <a:t>,</a:t>
-            </a:r>
-          </a:p>
-          <a:p>
-            <a:pPr algn="ctr"/>
-            <a:r>
-              <a:rPr lang="fr-FR" sz="6000" b="1" i="1" dirty="0" err="1">
-                <a:effectLst>
-                  <a:outerShdw blurRad="38100" dist="38100" dir="2700000" algn="tl">
-                    <a:srgbClr val="000000">
-                      <a:alpha val="43137"/>
-                    </a:srgbClr>
-                  </a:outerShdw>
-                </a:effectLst>
-              </a:rPr>
-              <a:t>Koa</a:t>
-            </a:r>
-            <a:r>
-              <a:rPr lang="fr-FR" sz="6000" b="1" i="1" dirty="0">
-                <a:effectLst>
-                  <a:outerShdw blurRad="38100" dist="38100" dir="2700000" algn="tl">
-                    <a:srgbClr val="000000">
-                      <a:alpha val="43137"/>
-                    </a:srgbClr>
-                  </a:outerShdw>
-                </a:effectLst>
-              </a:rPr>
-              <a:t> </a:t>
-            </a:r>
-            <a:r>
-              <a:rPr lang="fr-FR" sz="6000" b="1" i="1" dirty="0" err="1">
-                <a:effectLst>
-                  <a:outerShdw blurRad="38100" dist="38100" dir="2700000" algn="tl">
-                    <a:srgbClr val="000000">
-                      <a:alpha val="43137"/>
-                    </a:srgbClr>
-                  </a:outerShdw>
-                </a:effectLst>
-              </a:rPr>
-              <a:t>hobio</a:t>
-            </a:r>
-            <a:r>
-              <a:rPr lang="fr-FR" sz="6000" b="1" i="1" dirty="0">
-                <a:effectLst>
-                  <a:outerShdw blurRad="38100" dist="38100" dir="2700000" algn="tl">
-                    <a:srgbClr val="000000">
-                      <a:alpha val="43137"/>
-                    </a:srgbClr>
-                  </a:outerShdw>
-                </a:effectLst>
-              </a:rPr>
-              <a:t> </a:t>
-            </a:r>
-            <a:r>
-              <a:rPr lang="fr-FR" sz="6000" b="1" i="1" dirty="0" err="1">
-                <a:effectLst>
-                  <a:outerShdw blurRad="38100" dist="38100" dir="2700000" algn="tl">
-                    <a:srgbClr val="000000">
-                      <a:alpha val="43137"/>
-                    </a:srgbClr>
-                  </a:outerShdw>
-                </a:effectLst>
-              </a:rPr>
-              <a:t>sy</a:t>
-            </a:r>
-            <a:r>
-              <a:rPr lang="fr-FR" sz="6000" b="1" i="1" dirty="0">
-                <a:effectLst>
-                  <a:outerShdw blurRad="38100" dist="38100" dir="2700000" algn="tl">
-                    <a:srgbClr val="000000">
-                      <a:alpha val="43137"/>
-                    </a:srgbClr>
-                  </a:outerShdw>
-                </a:effectLst>
-              </a:rPr>
-              <a:t> </a:t>
-            </a:r>
-            <a:r>
-              <a:rPr lang="fr-FR" sz="6000" b="1" i="1" dirty="0" err="1">
-                <a:effectLst>
-                  <a:outerShdw blurRad="38100" dist="38100" dir="2700000" algn="tl">
-                    <a:srgbClr val="000000">
-                      <a:alpha val="43137"/>
-                    </a:srgbClr>
-                  </a:outerShdw>
-                </a:effectLst>
-              </a:rPr>
-              <a:t>ifalio</a:t>
-            </a:r>
-            <a:r>
-              <a:rPr lang="fr-FR" sz="6000" b="1" i="1" dirty="0">
-                <a:effectLst>
-                  <a:outerShdw blurRad="38100" dist="38100" dir="2700000" algn="tl">
-                    <a:srgbClr val="000000">
-                      <a:alpha val="43137"/>
-                    </a:srgbClr>
-                  </a:outerShdw>
-                </a:effectLst>
-              </a:rPr>
-              <a:t>. :,:</a:t>
+              <a:rPr lang="fr-FR" sz="6600" b="1" dirty="0" smtClean="0"/>
+              <a:t>Ka dia </a:t>
+            </a:r>
+            <a:r>
+              <a:rPr lang="fr-FR" sz="6600" b="1" dirty="0" err="1" smtClean="0"/>
+              <a:t>maneke</a:t>
+            </a:r>
+            <a:r>
+              <a:rPr lang="fr-FR" sz="6600" b="1" dirty="0" smtClean="0"/>
+              <a:t>.</a:t>
             </a:r>
           </a:p>
         </p:txBody>
       </p:sp>
     </p:spTree>
-    <p:extLst>
-      <p:ext uri="{BB962C8B-B14F-4D97-AF65-F5344CB8AC3E}">
-        <p14:creationId xmlns:p14="http://schemas.microsoft.com/office/powerpoint/2010/main" val="2662023135"/>
-      </p:ext>
-    </p:extLst>
   </p:cSld>
   <p:clrMapOvr>
     <a:masterClrMapping/>
@@ -5611,98 +5494,84 @@
           <a:p>
             <a:pPr algn="ctr"/>
             <a:r>
-              <a:rPr lang="es-ES" sz="6600" b="1" dirty="0" smtClean="0">
-                <a:solidFill>
-                  <a:srgbClr val="FF0000"/>
-                </a:solidFill>
-              </a:rPr>
-              <a:t>3. </a:t>
-            </a:r>
-            <a:r>
-              <a:rPr lang="es-ES" sz="6600" b="1" dirty="0" err="1" smtClean="0"/>
-              <a:t>Izy</a:t>
-            </a:r>
-            <a:r>
-              <a:rPr lang="es-ES" sz="6600" b="1" dirty="0" smtClean="0"/>
-              <a:t> no </a:t>
-            </a:r>
-            <a:r>
-              <a:rPr lang="es-ES" sz="6600" b="1" dirty="0" err="1" smtClean="0"/>
-              <a:t>Tompo</a:t>
-            </a:r>
-            <a:r>
-              <a:rPr lang="es-ES" sz="6600" b="1" dirty="0" smtClean="0"/>
+              <a:rPr lang="pt-BR" sz="6600" b="1" dirty="0"/>
+              <a:t>Ry hazo ao an'ala ô!</a:t>
+            </a:r>
+          </a:p>
+          <a:p>
+            <a:pPr algn="ctr"/>
+            <a:r>
+              <a:rPr lang="fr-FR" sz="6600" b="1" dirty="0"/>
+              <a:t>Samia </a:t>
+            </a:r>
+            <a:r>
+              <a:rPr lang="fr-FR" sz="6600" b="1" dirty="0" err="1"/>
+              <a:t>re</a:t>
+            </a:r>
+            <a:r>
+              <a:rPr lang="fr-FR" sz="6600" b="1" dirty="0"/>
               <a:t> </a:t>
             </a:r>
             <a:r>
-              <a:rPr lang="es-ES" sz="6600" b="1" dirty="0" err="1" smtClean="0"/>
-              <a:t>nahary</a:t>
-            </a:r>
-            <a:r>
-              <a:rPr lang="es-ES" sz="6600" b="1" dirty="0" smtClean="0"/>
-              <a:t>,</a:t>
+              <a:rPr lang="fr-FR" sz="6600" b="1" dirty="0" err="1"/>
+              <a:t>manandra-peo</a:t>
+            </a:r>
+            <a:r>
+              <a:rPr lang="fr-FR" sz="6600" b="1" dirty="0"/>
+              <a:t>;</a:t>
             </a:r>
           </a:p>
           <a:p>
             <a:pPr algn="ctr"/>
             <a:r>
-              <a:rPr lang="fr-FR" sz="6600" b="1" dirty="0" smtClean="0"/>
-              <a:t>:,: Ka </a:t>
-            </a:r>
-            <a:r>
-              <a:rPr lang="fr-FR" sz="6600" b="1" dirty="0" err="1" smtClean="0"/>
-              <a:t>maneke</a:t>
-            </a:r>
-            <a:r>
-              <a:rPr lang="fr-FR" sz="6600" b="1" dirty="0" smtClean="0"/>
-              <a:t> :,:</a:t>
+              <a:rPr lang="fr-FR" sz="6600" b="1" dirty="0" err="1"/>
+              <a:t>Ry</a:t>
+            </a:r>
+            <a:r>
+              <a:rPr lang="fr-FR" sz="6600" b="1" dirty="0"/>
+              <a:t> </a:t>
+            </a:r>
+            <a:r>
+              <a:rPr lang="fr-FR" sz="6600" b="1" dirty="0" err="1"/>
+              <a:t>voninkazo</a:t>
+            </a:r>
+            <a:r>
+              <a:rPr lang="fr-FR" sz="6600" b="1" dirty="0"/>
+              <a:t> </a:t>
+            </a:r>
+            <a:r>
+              <a:rPr lang="fr-FR" sz="6600" b="1" dirty="0" err="1"/>
+              <a:t>tsara</a:t>
+            </a:r>
+            <a:r>
+              <a:rPr lang="fr-FR" sz="6600" b="1" dirty="0"/>
+              <a:t> ô!</a:t>
             </a:r>
           </a:p>
           <a:p>
             <a:pPr algn="ctr"/>
             <a:r>
-              <a:rPr lang="fr-FR" sz="6600" b="1" dirty="0" err="1" smtClean="0"/>
-              <a:t>Zanaky</a:t>
-            </a:r>
-            <a:r>
-              <a:rPr lang="fr-FR" sz="6600" b="1" dirty="0" smtClean="0"/>
+              <a:rPr lang="fr-FR" sz="6600" b="1" dirty="0" err="1"/>
+              <a:t>Atero</a:t>
+            </a:r>
+            <a:r>
+              <a:rPr lang="fr-FR" sz="6600" b="1" dirty="0"/>
               <a:t> </a:t>
             </a:r>
             <a:r>
-              <a:rPr lang="fr-FR" sz="6600" b="1" dirty="0" err="1" smtClean="0"/>
-              <a:t>ny</a:t>
-            </a:r>
-            <a:r>
-              <a:rPr lang="fr-FR" sz="6600" b="1" dirty="0" smtClean="0"/>
-              <a:t> </a:t>
-            </a:r>
-            <a:r>
-              <a:rPr lang="fr-FR" sz="6600" b="1" dirty="0" err="1" smtClean="0"/>
-              <a:t>Zanahary</a:t>
-            </a:r>
-            <a:r>
-              <a:rPr lang="fr-FR" sz="6600" b="1" dirty="0" smtClean="0"/>
-              <a:t>,</a:t>
-            </a:r>
-          </a:p>
-          <a:p>
-            <a:pPr algn="ctr"/>
-            <a:r>
-              <a:rPr lang="fr-FR" sz="6600" b="1" dirty="0" smtClean="0"/>
-              <a:t>Ka dia </a:t>
-            </a:r>
-            <a:r>
-              <a:rPr lang="fr-FR" sz="6600" b="1" dirty="0" err="1" smtClean="0"/>
-              <a:t>maneke</a:t>
-            </a:r>
-            <a:r>
-              <a:rPr lang="fr-FR" sz="6600" b="1" dirty="0" smtClean="0"/>
-              <a:t>.</a:t>
-            </a:r>
+              <a:rPr lang="fr-FR" sz="6600" b="1" dirty="0" err="1"/>
+              <a:t>fofo-manitra</a:t>
+            </a:r>
+            <a:endParaRPr lang="fr-FR" sz="6600" b="1" dirty="0"/>
           </a:p>
         </p:txBody>
       </p:sp>
     </p:spTree>
+    <p:extLst>
+      <p:ext uri="{BB962C8B-B14F-4D97-AF65-F5344CB8AC3E}">
+        <p14:creationId xmlns:p14="http://schemas.microsoft.com/office/powerpoint/2010/main" val="1143010270"/>
+      </p:ext>
+    </p:extLst>
   </p:cSld>
   <p:clrMapOvr>
     <a:masterClrMapping/>
